--- a/wnlo-logo.pptx
+++ b/wnlo-logo.pptx
@@ -5,11 +5,12 @@
     <p:sldMasterId id="2147483840" r:id="rId1"/>
   </p:sldMasterIdLst>
   <p:notesMasterIdLst>
-    <p:notesMasterId r:id="rId4"/>
+    <p:notesMasterId r:id="rId5"/>
   </p:notesMasterIdLst>
   <p:sldIdLst>
     <p:sldId id="256" r:id="rId2"/>
-    <p:sldId id="257" r:id="rId3"/>
+    <p:sldId id="258" r:id="rId3"/>
+    <p:sldId id="257" r:id="rId4"/>
   </p:sldIdLst>
   <p:sldSz cx="43200638" cy="28800425"/>
   <p:notesSz cx="6858000" cy="9144000"/>
@@ -108,6 +109,11 @@
       </a:defRPr>
     </a:lvl9pPr>
   </p:defaultTextStyle>
+  <p:extLst>
+    <p:ext uri="{EFAFB233-063F-42B5-8137-9DF3F51BA10A}">
+      <p15:sldGuideLst xmlns:p15="http://schemas.microsoft.com/office/powerpoint/2012/main"/>
+    </p:ext>
+  </p:extLst>
 </p:presentation>
 </file>
 
@@ -193,7 +199,7 @@
           <a:p>
             <a:fld id="{B8E5C00B-BDC6-024B-9447-D3C057225367}" type="datetimeFigureOut">
               <a:rPr lang="en-CN" smtClean="0"/>
-              <a:t>2023/11/2</a:t>
+              <a:t>2024/4/24</a:t>
             </a:fld>
             <a:endParaRPr lang="en-CN"/>
           </a:p>
@@ -629,6 +635,95 @@
     </p:spTree>
     <p:extLst>
       <p:ext uri="{BB962C8B-B14F-4D97-AF65-F5344CB8AC3E}">
+        <p14:creationId xmlns:p14="http://schemas.microsoft.com/office/powerpoint/2010/main" val="1096099339"/>
+      </p:ext>
+    </p:extLst>
+  </p:cSld>
+  <p:clrMapOvr>
+    <a:masterClrMapping/>
+  </p:clrMapOvr>
+</p:notes>
+</file>
+
+<file path=ppt/notesSlides/notesSlide3.xml><?xml version="1.0" encoding="utf-8"?>
+<p:notes xmlns:a="http://schemas.openxmlformats.org/drawingml/2006/main" xmlns:r="http://schemas.openxmlformats.org/officeDocument/2006/relationships" xmlns:p="http://schemas.openxmlformats.org/presentationml/2006/main">
+  <p:cSld>
+    <p:spTree>
+      <p:nvGrpSpPr>
+        <p:cNvPr id="1" name=""/>
+        <p:cNvGrpSpPr/>
+        <p:nvPr/>
+      </p:nvGrpSpPr>
+      <p:grpSpPr>
+        <a:xfrm>
+          <a:off x="0" y="0"/>
+          <a:ext cx="0" cy="0"/>
+          <a:chOff x="0" y="0"/>
+          <a:chExt cx="0" cy="0"/>
+        </a:xfrm>
+      </p:grpSpPr>
+      <p:sp>
+        <p:nvSpPr>
+          <p:cNvPr id="2" name="Slide Image Placeholder 1"/>
+          <p:cNvSpPr>
+            <a:spLocks noGrp="1" noRot="1" noChangeAspect="1"/>
+          </p:cNvSpPr>
+          <p:nvPr>
+            <p:ph type="sldImg"/>
+          </p:nvPr>
+        </p:nvSpPr>
+        <p:spPr>
+          <a:xfrm>
+            <a:off x="1114425" y="1143000"/>
+            <a:ext cx="4629150" cy="3086100"/>
+          </a:xfrm>
+        </p:spPr>
+      </p:sp>
+      <p:sp>
+        <p:nvSpPr>
+          <p:cNvPr id="3" name="Notes Placeholder 2"/>
+          <p:cNvSpPr>
+            <a:spLocks noGrp="1"/>
+          </p:cNvSpPr>
+          <p:nvPr>
+            <p:ph type="body" idx="1"/>
+          </p:nvPr>
+        </p:nvSpPr>
+        <p:spPr/>
+        <p:txBody>
+          <a:bodyPr/>
+          <a:lstStyle/>
+          <a:p>
+            <a:endParaRPr lang="en-CN" dirty="0"/>
+          </a:p>
+        </p:txBody>
+      </p:sp>
+      <p:sp>
+        <p:nvSpPr>
+          <p:cNvPr id="4" name="Slide Number Placeholder 3"/>
+          <p:cNvSpPr>
+            <a:spLocks noGrp="1"/>
+          </p:cNvSpPr>
+          <p:nvPr>
+            <p:ph type="sldNum" sz="quarter" idx="5"/>
+          </p:nvPr>
+        </p:nvSpPr>
+        <p:spPr/>
+        <p:txBody>
+          <a:bodyPr/>
+          <a:lstStyle/>
+          <a:p>
+            <a:fld id="{12276741-EF4C-EA4B-BD25-3DBBA9CACA75}" type="slidenum">
+              <a:rPr lang="en-CN" smtClean="0"/>
+              <a:t>3</a:t>
+            </a:fld>
+            <a:endParaRPr lang="en-CN"/>
+          </a:p>
+        </p:txBody>
+      </p:sp>
+    </p:spTree>
+    <p:extLst>
+      <p:ext uri="{BB962C8B-B14F-4D97-AF65-F5344CB8AC3E}">
         <p14:creationId xmlns:p14="http://schemas.microsoft.com/office/powerpoint/2010/main" val="4283861622"/>
       </p:ext>
     </p:extLst>
@@ -770,7 +865,7 @@
           <a:p>
             <a:fld id="{DEA9AB64-94FB-AC46-8AA7-C624D2F7419E}" type="datetimeFigureOut">
               <a:rPr lang="en-CN" smtClean="0"/>
-              <a:t>2023/11/2</a:t>
+              <a:t>2024/4/24</a:t>
             </a:fld>
             <a:endParaRPr lang="en-CN"/>
           </a:p>
@@ -940,7 +1035,7 @@
           <a:p>
             <a:fld id="{DEA9AB64-94FB-AC46-8AA7-C624D2F7419E}" type="datetimeFigureOut">
               <a:rPr lang="en-CN" smtClean="0"/>
-              <a:t>2023/11/2</a:t>
+              <a:t>2024/4/24</a:t>
             </a:fld>
             <a:endParaRPr lang="en-CN"/>
           </a:p>
@@ -1120,7 +1215,7 @@
           <a:p>
             <a:fld id="{DEA9AB64-94FB-AC46-8AA7-C624D2F7419E}" type="datetimeFigureOut">
               <a:rPr lang="en-CN" smtClean="0"/>
-              <a:t>2023/11/2</a:t>
+              <a:t>2024/4/24</a:t>
             </a:fld>
             <a:endParaRPr lang="en-CN"/>
           </a:p>
@@ -1290,7 +1385,7 @@
           <a:p>
             <a:fld id="{DEA9AB64-94FB-AC46-8AA7-C624D2F7419E}" type="datetimeFigureOut">
               <a:rPr lang="en-CN" smtClean="0"/>
-              <a:t>2023/11/2</a:t>
+              <a:t>2024/4/24</a:t>
             </a:fld>
             <a:endParaRPr lang="en-CN"/>
           </a:p>
@@ -1534,7 +1629,7 @@
           <a:p>
             <a:fld id="{DEA9AB64-94FB-AC46-8AA7-C624D2F7419E}" type="datetimeFigureOut">
               <a:rPr lang="en-CN" smtClean="0"/>
-              <a:t>2023/11/2</a:t>
+              <a:t>2024/4/24</a:t>
             </a:fld>
             <a:endParaRPr lang="en-CN"/>
           </a:p>
@@ -1766,7 +1861,7 @@
           <a:p>
             <a:fld id="{DEA9AB64-94FB-AC46-8AA7-C624D2F7419E}" type="datetimeFigureOut">
               <a:rPr lang="en-CN" smtClean="0"/>
-              <a:t>2023/11/2</a:t>
+              <a:t>2024/4/24</a:t>
             </a:fld>
             <a:endParaRPr lang="en-CN"/>
           </a:p>
@@ -2133,7 +2228,7 @@
           <a:p>
             <a:fld id="{DEA9AB64-94FB-AC46-8AA7-C624D2F7419E}" type="datetimeFigureOut">
               <a:rPr lang="en-CN" smtClean="0"/>
-              <a:t>2023/11/2</a:t>
+              <a:t>2024/4/24</a:t>
             </a:fld>
             <a:endParaRPr lang="en-CN"/>
           </a:p>
@@ -2251,7 +2346,7 @@
           <a:p>
             <a:fld id="{DEA9AB64-94FB-AC46-8AA7-C624D2F7419E}" type="datetimeFigureOut">
               <a:rPr lang="en-CN" smtClean="0"/>
-              <a:t>2023/11/2</a:t>
+              <a:t>2024/4/24</a:t>
             </a:fld>
             <a:endParaRPr lang="en-CN"/>
           </a:p>
@@ -2346,7 +2441,7 @@
           <a:p>
             <a:fld id="{DEA9AB64-94FB-AC46-8AA7-C624D2F7419E}" type="datetimeFigureOut">
               <a:rPr lang="en-CN" smtClean="0"/>
-              <a:t>2023/11/2</a:t>
+              <a:t>2024/4/24</a:t>
             </a:fld>
             <a:endParaRPr lang="en-CN"/>
           </a:p>
@@ -2623,7 +2718,7 @@
           <a:p>
             <a:fld id="{DEA9AB64-94FB-AC46-8AA7-C624D2F7419E}" type="datetimeFigureOut">
               <a:rPr lang="en-CN" smtClean="0"/>
-              <a:t>2023/11/2</a:t>
+              <a:t>2024/4/24</a:t>
             </a:fld>
             <a:endParaRPr lang="en-CN"/>
           </a:p>
@@ -2880,7 +2975,7 @@
           <a:p>
             <a:fld id="{DEA9AB64-94FB-AC46-8AA7-C624D2F7419E}" type="datetimeFigureOut">
               <a:rPr lang="en-CN" smtClean="0"/>
-              <a:t>2023/11/2</a:t>
+              <a:t>2024/4/24</a:t>
             </a:fld>
             <a:endParaRPr lang="en-CN"/>
           </a:p>
@@ -3093,7 +3188,7 @@
           <a:p>
             <a:fld id="{DEA9AB64-94FB-AC46-8AA7-C624D2F7419E}" type="datetimeFigureOut">
               <a:rPr lang="en-CN" smtClean="0"/>
-              <a:t>2023/11/2</a:t>
+              <a:t>2024/4/24</a:t>
             </a:fld>
             <a:endParaRPr lang="en-CN"/>
           </a:p>
@@ -3739,975 +3834,214 @@
           </a:p>
         </p:txBody>
       </p:sp>
-      <p:grpSp>
-        <p:nvGrpSpPr>
-          <p:cNvPr id="46" name="Group 45">
+      <p:sp>
+        <p:nvSpPr>
+          <p:cNvPr id="66" name="TextBox 65">
             <a:extLst>
               <a:ext uri="{FF2B5EF4-FFF2-40B4-BE49-F238E27FC236}">
-                <a16:creationId xmlns:a16="http://schemas.microsoft.com/office/drawing/2014/main" id="{F60DBF1A-9AA7-E6C3-139A-0281E196D383}"/>
+                <a16:creationId xmlns:a16="http://schemas.microsoft.com/office/drawing/2014/main" id="{FB8E6713-1553-9A6B-1505-35E2DEA63C3A}"/>
               </a:ext>
             </a:extLst>
           </p:cNvPr>
-          <p:cNvGrpSpPr>
-            <a:grpSpLocks noChangeAspect="1"/>
-          </p:cNvGrpSpPr>
+          <p:cNvSpPr txBox="1"/>
           <p:nvPr/>
-        </p:nvGrpSpPr>
-        <p:grpSpPr>
+        </p:nvSpPr>
+        <p:spPr>
           <a:xfrm>
-            <a:off x="17623716" y="3119380"/>
-            <a:ext cx="7941634" cy="4584123"/>
-            <a:chOff x="2322436" y="4100777"/>
-            <a:chExt cx="4524930" cy="2611914"/>
+            <a:off x="32346900" y="25946100"/>
+            <a:ext cx="5641416" cy="923330"/>
           </a:xfrm>
-        </p:grpSpPr>
-        <p:sp>
-          <p:nvSpPr>
-            <p:cNvPr id="47" name="Donut 46">
-              <a:extLst>
-                <a:ext uri="{FF2B5EF4-FFF2-40B4-BE49-F238E27FC236}">
-                  <a16:creationId xmlns:a16="http://schemas.microsoft.com/office/drawing/2014/main" id="{EA0C7C60-77E2-9059-068D-1DB5B5A83F7B}"/>
-                </a:ext>
-              </a:extLst>
-            </p:cNvPr>
-            <p:cNvSpPr/>
-            <p:nvPr/>
-          </p:nvSpPr>
-          <p:spPr>
-            <a:xfrm>
-              <a:off x="4734467" y="4676222"/>
-              <a:ext cx="1606378" cy="1543857"/>
-            </a:xfrm>
-            <a:prstGeom prst="donut">
-              <a:avLst>
-                <a:gd name="adj" fmla="val 18672"/>
-              </a:avLst>
-            </a:prstGeom>
-            <a:solidFill>
-              <a:srgbClr val="0070C0"/>
-            </a:solidFill>
-            <a:ln w="57150">
-              <a:noFill/>
-            </a:ln>
-            <a:effectLst>
-              <a:outerShdw blurRad="50800" dist="38100" dir="2700000" sx="103000" sy="103000" algn="tl" rotWithShape="0">
-                <a:prstClr val="black">
-                  <a:alpha val="40000"/>
-                </a:prstClr>
-              </a:outerShdw>
-            </a:effectLst>
-          </p:spPr>
-          <p:style>
-            <a:lnRef idx="2">
-              <a:schemeClr val="accent1">
-                <a:shade val="15000"/>
-              </a:schemeClr>
-            </a:lnRef>
-            <a:fillRef idx="1">
-              <a:schemeClr val="accent1"/>
-            </a:fillRef>
-            <a:effectRef idx="0">
-              <a:schemeClr val="accent1"/>
-            </a:effectRef>
-            <a:fontRef idx="minor">
-              <a:schemeClr val="lt1"/>
-            </a:fontRef>
-          </p:style>
-          <p:txBody>
-            <a:bodyPr rtlCol="0" anchor="ctr"/>
-            <a:lstStyle/>
-            <a:p>
-              <a:pPr algn="ctr"/>
-              <a:endParaRPr lang="en-CN" sz="3164" b="1">
-                <a:ln w="12700">
+          <a:prstGeom prst="rect">
+            <a:avLst/>
+          </a:prstGeom>
+          <a:noFill/>
+        </p:spPr>
+        <p:txBody>
+          <a:bodyPr wrap="none" rtlCol="0">
+            <a:spAutoFit/>
+          </a:bodyPr>
+          <a:lstStyle/>
+          <a:p>
+            <a:r>
+              <a:rPr lang="en-CN" sz="5400" dirty="0"/>
+              <a:t>Designed by Ke Luo</a:t>
+            </a:r>
+          </a:p>
+        </p:txBody>
+      </p:sp>
+      <p:sp>
+        <p:nvSpPr>
+          <p:cNvPr id="3" name="TextBox 2">
+            <a:extLst>
+              <a:ext uri="{FF2B5EF4-FFF2-40B4-BE49-F238E27FC236}">
+                <a16:creationId xmlns:a16="http://schemas.microsoft.com/office/drawing/2014/main" id="{9AB55575-851B-016E-4ED5-E7CEED35DFA2}"/>
+              </a:ext>
+            </a:extLst>
+          </p:cNvPr>
+          <p:cNvSpPr txBox="1"/>
+          <p:nvPr/>
+        </p:nvSpPr>
+        <p:spPr>
+          <a:xfrm>
+            <a:off x="14051279" y="22258221"/>
+            <a:ext cx="14954473" cy="3000821"/>
+          </a:xfrm>
+          <a:prstGeom prst="rect">
+            <a:avLst/>
+          </a:prstGeom>
+          <a:noFill/>
+        </p:spPr>
+        <p:txBody>
+          <a:bodyPr wrap="square">
+            <a:spAutoFit/>
+          </a:bodyPr>
+          <a:lstStyle/>
+          <a:p>
+            <a:pPr algn="dist"/>
+            <a:r>
+              <a:rPr lang="en-CN" sz="14500" b="1" dirty="0">
+                <a:solidFill>
+                  <a:srgbClr val="0070C0"/>
+                </a:solidFill>
+                <a:latin typeface="Xingkai TC" panose="02010600040101010101" pitchFamily="2" charset="-120"/>
+                <a:ea typeface="Xingkai TC" panose="02010600040101010101" pitchFamily="2" charset="-120"/>
+              </a:rPr>
+              <a:t>华中科技大学</a:t>
+            </a:r>
+          </a:p>
+          <a:p>
+            <a:pPr algn="dist"/>
+            <a:r>
+              <a:rPr lang="en-US" sz="4400" b="1" dirty="0">
+                <a:ln w="34925">
                   <a:solidFill>
-                    <a:schemeClr val="tx2">
-                      <a:lumMod val="75000"/>
-                    </a:schemeClr>
+                    <a:schemeClr val="accent1"/>
                   </a:solidFill>
-                  <a:prstDash val="solid"/>
                 </a:ln>
                 <a:solidFill>
                   <a:srgbClr val="0070C0"/>
                 </a:solidFill>
                 <a:effectLst>
-                  <a:outerShdw dist="38100" dir="2640000" algn="bl" rotWithShape="0">
-                    <a:schemeClr val="tx2">
-                      <a:lumMod val="75000"/>
-                    </a:schemeClr>
+                  <a:outerShdw blurRad="38100" dist="25400" dir="5400000" algn="ctr" rotWithShape="0">
+                    <a:srgbClr val="6E747A">
+                      <a:alpha val="43000"/>
+                    </a:srgbClr>
                   </a:outerShdw>
                 </a:effectLst>
-              </a:endParaRPr>
-            </a:p>
-          </p:txBody>
-        </p:sp>
-        <p:sp>
-          <p:nvSpPr>
-            <p:cNvPr id="48" name="TextBox 47">
+                <a:latin typeface="Arial" panose="020B0604020202020204" pitchFamily="34" charset="0"/>
+                <a:ea typeface="Xingkai TC" panose="02010600040101010101" pitchFamily="2" charset="-120"/>
+                <a:cs typeface="Arial" panose="020B0604020202020204" pitchFamily="34" charset="0"/>
+              </a:rPr>
+              <a:t>Huazhong University of Science and Technology</a:t>
+            </a:r>
+          </a:p>
+        </p:txBody>
+      </p:sp>
+      <p:sp>
+        <p:nvSpPr>
+          <p:cNvPr id="33" name="TextBox 32">
+            <a:extLst>
+              <a:ext uri="{FF2B5EF4-FFF2-40B4-BE49-F238E27FC236}">
+                <a16:creationId xmlns:a16="http://schemas.microsoft.com/office/drawing/2014/main" id="{325B9BBB-59C6-1908-D985-5E5E507BACA9}"/>
+              </a:ext>
+            </a:extLst>
+          </p:cNvPr>
+          <p:cNvSpPr txBox="1"/>
+          <p:nvPr/>
+        </p:nvSpPr>
+        <p:spPr>
+          <a:xfrm>
+            <a:off x="17236985" y="5314997"/>
+            <a:ext cx="7739994" cy="1200329"/>
+          </a:xfrm>
+          <a:prstGeom prst="rect">
+            <a:avLst/>
+          </a:prstGeom>
+          <a:noFill/>
+        </p:spPr>
+        <p:txBody>
+          <a:bodyPr wrap="square" rtlCol="0">
+            <a:spAutoFit/>
+          </a:bodyPr>
+          <a:lstStyle/>
+          <a:p>
+            <a:pPr algn="ctr"/>
+            <a:r>
+              <a:rPr lang="en-US" sz="7200" b="1" dirty="0">
+                <a:solidFill>
+                  <a:srgbClr val="0070C0"/>
+                </a:solidFill>
+                <a:latin typeface="Arial" panose="020B0604020202020204" pitchFamily="34" charset="0"/>
+                <a:cs typeface="Arial" panose="020B0604020202020204" pitchFamily="34" charset="0"/>
+              </a:rPr>
+              <a:t>wnlo.hust.edu.cn</a:t>
+            </a:r>
+            <a:endParaRPr lang="en-CN" sz="7200" b="1" dirty="0">
+              <a:solidFill>
+                <a:srgbClr val="0070C0"/>
+              </a:solidFill>
+              <a:latin typeface="Arial" panose="020B0604020202020204" pitchFamily="34" charset="0"/>
+              <a:cs typeface="Arial" panose="020B0604020202020204" pitchFamily="34" charset="0"/>
+            </a:endParaRPr>
+          </a:p>
+        </p:txBody>
+      </p:sp>
+      <p:grpSp>
+        <p:nvGrpSpPr>
+          <p:cNvPr id="34" name="Group 33">
+            <a:extLst>
+              <a:ext uri="{FF2B5EF4-FFF2-40B4-BE49-F238E27FC236}">
+                <a16:creationId xmlns:a16="http://schemas.microsoft.com/office/drawing/2014/main" id="{E35073DB-B8B9-E96F-DA87-62C89A7960EF}"/>
+              </a:ext>
+            </a:extLst>
+          </p:cNvPr>
+          <p:cNvGrpSpPr/>
+          <p:nvPr/>
+        </p:nvGrpSpPr>
+        <p:grpSpPr>
+          <a:xfrm>
+            <a:off x="17288172" y="1455028"/>
+            <a:ext cx="7396753" cy="4548851"/>
+            <a:chOff x="17288172" y="1455028"/>
+            <a:chExt cx="7396753" cy="4548851"/>
+          </a:xfrm>
+        </p:grpSpPr>
+        <p:pic>
+          <p:nvPicPr>
+            <p:cNvPr id="35" name="Picture 34">
               <a:extLst>
                 <a:ext uri="{FF2B5EF4-FFF2-40B4-BE49-F238E27FC236}">
-                  <a16:creationId xmlns:a16="http://schemas.microsoft.com/office/drawing/2014/main" id="{9C2F210F-9C56-46D7-56F2-7D8B87DFBEBD}"/>
+                  <a16:creationId xmlns:a16="http://schemas.microsoft.com/office/drawing/2014/main" id="{C158111F-D09B-102F-4E39-5775C583DF08}"/>
                 </a:ext>
               </a:extLst>
             </p:cNvPr>
-            <p:cNvSpPr txBox="1"/>
+            <p:cNvPicPr>
+              <a:picLocks noChangeAspect="1"/>
+            </p:cNvPicPr>
             <p:nvPr/>
-          </p:nvSpPr>
+          </p:nvPicPr>
+          <p:blipFill>
+            <a:blip r:embed="rId3"/>
+            <a:stretch>
+              <a:fillRect/>
+            </a:stretch>
+          </p:blipFill>
           <p:spPr>
             <a:xfrm>
-              <a:off x="2322436" y="4102229"/>
-              <a:ext cx="1964723" cy="2610462"/>
+              <a:off x="21814725" y="2384819"/>
+              <a:ext cx="2870200" cy="2768600"/>
             </a:xfrm>
             <a:prstGeom prst="rect">
               <a:avLst/>
             </a:prstGeom>
-            <a:noFill/>
           </p:spPr>
-          <p:txBody>
-            <a:bodyPr wrap="square" rtlCol="0">
-              <a:spAutoFit/>
-            </a:bodyPr>
-            <a:lstStyle/>
-            <a:p>
-              <a:r>
-                <a:rPr lang="en-CN" sz="29172" b="1" dirty="0">
-                  <a:ln w="15875">
-                    <a:solidFill>
-                      <a:srgbClr val="FF0000"/>
-                    </a:solidFill>
-                  </a:ln>
-                  <a:solidFill>
-                    <a:srgbClr val="FF0000"/>
-                  </a:solidFill>
-                  <a:effectLst>
-                    <a:outerShdw blurRad="50800" dist="38100" dir="2700000" sx="106000" sy="106000" algn="ctr" rotWithShape="0">
-                      <a:srgbClr val="000000">
-                        <a:alpha val="43137"/>
-                      </a:srgbClr>
-                    </a:outerShdw>
-                  </a:effectLst>
-                  <a:latin typeface="Arial" panose="020B0604020202020204" pitchFamily="34" charset="0"/>
-                  <a:cs typeface="Arial" panose="020B0604020202020204" pitchFamily="34" charset="0"/>
-                </a:rPr>
-                <a:t>W</a:t>
-              </a:r>
-            </a:p>
-          </p:txBody>
-        </p:sp>
+        </p:pic>
         <p:sp>
           <p:nvSpPr>
-            <p:cNvPr id="49" name="Rectangle 48">
+            <p:cNvPr id="36" name="TextBox 35">
               <a:extLst>
                 <a:ext uri="{FF2B5EF4-FFF2-40B4-BE49-F238E27FC236}">
-                  <a16:creationId xmlns:a16="http://schemas.microsoft.com/office/drawing/2014/main" id="{0C2FB31A-A726-7BBA-0D4D-FCEBF7D6D697}"/>
-                </a:ext>
-              </a:extLst>
-            </p:cNvPr>
-            <p:cNvSpPr/>
-            <p:nvPr/>
-          </p:nvSpPr>
-          <p:spPr>
-            <a:xfrm>
-              <a:off x="2322436" y="5425667"/>
-              <a:ext cx="2224850" cy="1012203"/>
-            </a:xfrm>
-            <a:prstGeom prst="rect">
-              <a:avLst/>
-            </a:prstGeom>
-            <a:solidFill>
-              <a:schemeClr val="bg1"/>
-            </a:solidFill>
-            <a:ln>
-              <a:noFill/>
-            </a:ln>
-          </p:spPr>
-          <p:style>
-            <a:lnRef idx="2">
-              <a:schemeClr val="accent1">
-                <a:shade val="15000"/>
-              </a:schemeClr>
-            </a:lnRef>
-            <a:fillRef idx="1">
-              <a:schemeClr val="accent1"/>
-            </a:fillRef>
-            <a:effectRef idx="0">
-              <a:schemeClr val="accent1"/>
-            </a:effectRef>
-            <a:fontRef idx="minor">
-              <a:schemeClr val="lt1"/>
-            </a:fontRef>
-          </p:style>
-          <p:txBody>
-            <a:bodyPr rtlCol="0" anchor="ctr"/>
-            <a:lstStyle/>
-            <a:p>
-              <a:pPr algn="ctr"/>
-              <a:endParaRPr lang="en-CN" sz="3164"/>
-            </a:p>
-          </p:txBody>
-        </p:sp>
-        <p:grpSp>
-          <p:nvGrpSpPr>
-            <p:cNvPr id="50" name="Group 49">
-              <a:extLst>
-                <a:ext uri="{FF2B5EF4-FFF2-40B4-BE49-F238E27FC236}">
-                  <a16:creationId xmlns:a16="http://schemas.microsoft.com/office/drawing/2014/main" id="{664D27FD-E74F-228D-E087-BC4CF49BACB3}"/>
-                </a:ext>
-              </a:extLst>
-            </p:cNvPr>
-            <p:cNvGrpSpPr/>
-            <p:nvPr/>
-          </p:nvGrpSpPr>
-          <p:grpSpPr>
-            <a:xfrm>
-              <a:off x="4757956" y="4663522"/>
-              <a:ext cx="2089410" cy="1558498"/>
-              <a:chOff x="4757956" y="4663522"/>
-              <a:chExt cx="2089410" cy="1558498"/>
-            </a:xfrm>
-            <a:effectLst>
-              <a:outerShdw blurRad="50800" dist="50800" dir="5400000" algn="ctr" rotWithShape="0">
-                <a:srgbClr val="000000">
-                  <a:alpha val="0"/>
-                </a:srgbClr>
-              </a:outerShdw>
-            </a:effectLst>
-          </p:grpSpPr>
-          <p:sp>
-            <p:nvSpPr>
-              <p:cNvPr id="53" name="Rectangle 52">
-                <a:extLst>
-                  <a:ext uri="{FF2B5EF4-FFF2-40B4-BE49-F238E27FC236}">
-                    <a16:creationId xmlns:a16="http://schemas.microsoft.com/office/drawing/2014/main" id="{0509EFBA-A5EB-4B13-8736-891DE8A88D6B}"/>
-                  </a:ext>
-                </a:extLst>
-              </p:cNvPr>
-              <p:cNvSpPr/>
-              <p:nvPr/>
-            </p:nvSpPr>
-            <p:spPr>
-              <a:xfrm>
-                <a:off x="4757956" y="4663522"/>
-                <a:ext cx="2089410" cy="36000"/>
-              </a:xfrm>
-              <a:prstGeom prst="rect">
-                <a:avLst/>
-              </a:prstGeom>
-              <a:solidFill>
-                <a:schemeClr val="bg1"/>
-              </a:solidFill>
-              <a:ln>
-                <a:noFill/>
-              </a:ln>
-            </p:spPr>
-            <p:style>
-              <a:lnRef idx="2">
-                <a:schemeClr val="accent1">
-                  <a:shade val="15000"/>
-                </a:schemeClr>
-              </a:lnRef>
-              <a:fillRef idx="1">
-                <a:schemeClr val="accent1"/>
-              </a:fillRef>
-              <a:effectRef idx="0">
-                <a:schemeClr val="accent1"/>
-              </a:effectRef>
-              <a:fontRef idx="minor">
-                <a:schemeClr val="lt1"/>
-              </a:fontRef>
-            </p:style>
-            <p:txBody>
-              <a:bodyPr rtlCol="0" anchor="ctr"/>
-              <a:lstStyle/>
-              <a:p>
-                <a:pPr algn="ctr"/>
-                <a:endParaRPr lang="en-CN" sz="3164"/>
-              </a:p>
-            </p:txBody>
-          </p:sp>
-          <p:sp>
-            <p:nvSpPr>
-              <p:cNvPr id="54" name="Rectangle 53">
-                <a:extLst>
-                  <a:ext uri="{FF2B5EF4-FFF2-40B4-BE49-F238E27FC236}">
-                    <a16:creationId xmlns:a16="http://schemas.microsoft.com/office/drawing/2014/main" id="{A1FC0559-51EA-7F7E-7865-EEA955F88914}"/>
-                  </a:ext>
-                </a:extLst>
-              </p:cNvPr>
-              <p:cNvSpPr/>
-              <p:nvPr/>
-            </p:nvSpPr>
-            <p:spPr>
-              <a:xfrm>
-                <a:off x="4757956" y="4917272"/>
-                <a:ext cx="2089410" cy="36000"/>
-              </a:xfrm>
-              <a:prstGeom prst="rect">
-                <a:avLst/>
-              </a:prstGeom>
-              <a:solidFill>
-                <a:schemeClr val="bg1"/>
-              </a:solidFill>
-              <a:ln>
-                <a:noFill/>
-              </a:ln>
-            </p:spPr>
-            <p:style>
-              <a:lnRef idx="2">
-                <a:schemeClr val="accent1">
-                  <a:shade val="15000"/>
-                </a:schemeClr>
-              </a:lnRef>
-              <a:fillRef idx="1">
-                <a:schemeClr val="accent1"/>
-              </a:fillRef>
-              <a:effectRef idx="0">
-                <a:schemeClr val="accent1"/>
-              </a:effectRef>
-              <a:fontRef idx="minor">
-                <a:schemeClr val="lt1"/>
-              </a:fontRef>
-            </p:style>
-            <p:txBody>
-              <a:bodyPr rtlCol="0" anchor="ctr"/>
-              <a:lstStyle/>
-              <a:p>
-                <a:pPr algn="ctr"/>
-                <a:endParaRPr lang="en-CN" sz="3164"/>
-              </a:p>
-            </p:txBody>
-          </p:sp>
-          <p:sp>
-            <p:nvSpPr>
-              <p:cNvPr id="55" name="Rectangle 54">
-                <a:extLst>
-                  <a:ext uri="{FF2B5EF4-FFF2-40B4-BE49-F238E27FC236}">
-                    <a16:creationId xmlns:a16="http://schemas.microsoft.com/office/drawing/2014/main" id="{548AE696-015B-4954-ACCD-5BF1FBDBA439}"/>
-                  </a:ext>
-                </a:extLst>
-              </p:cNvPr>
-              <p:cNvSpPr/>
-              <p:nvPr/>
-            </p:nvSpPr>
-            <p:spPr>
-              <a:xfrm>
-                <a:off x="4757956" y="5171022"/>
-                <a:ext cx="2089410" cy="36000"/>
-              </a:xfrm>
-              <a:prstGeom prst="rect">
-                <a:avLst/>
-              </a:prstGeom>
-              <a:solidFill>
-                <a:schemeClr val="bg1"/>
-              </a:solidFill>
-              <a:ln>
-                <a:noFill/>
-              </a:ln>
-            </p:spPr>
-            <p:style>
-              <a:lnRef idx="2">
-                <a:schemeClr val="accent1">
-                  <a:shade val="15000"/>
-                </a:schemeClr>
-              </a:lnRef>
-              <a:fillRef idx="1">
-                <a:schemeClr val="accent1"/>
-              </a:fillRef>
-              <a:effectRef idx="0">
-                <a:schemeClr val="accent1"/>
-              </a:effectRef>
-              <a:fontRef idx="minor">
-                <a:schemeClr val="lt1"/>
-              </a:fontRef>
-            </p:style>
-            <p:txBody>
-              <a:bodyPr rtlCol="0" anchor="ctr"/>
-              <a:lstStyle/>
-              <a:p>
-                <a:pPr algn="ctr"/>
-                <a:endParaRPr lang="en-CN" sz="3164"/>
-              </a:p>
-            </p:txBody>
-          </p:sp>
-          <p:sp>
-            <p:nvSpPr>
-              <p:cNvPr id="56" name="Rectangle 55">
-                <a:extLst>
-                  <a:ext uri="{FF2B5EF4-FFF2-40B4-BE49-F238E27FC236}">
-                    <a16:creationId xmlns:a16="http://schemas.microsoft.com/office/drawing/2014/main" id="{9D036625-C8FD-0801-88AB-1AE803E3703F}"/>
-                  </a:ext>
-                </a:extLst>
-              </p:cNvPr>
-              <p:cNvSpPr/>
-              <p:nvPr/>
-            </p:nvSpPr>
-            <p:spPr>
-              <a:xfrm>
-                <a:off x="4757956" y="5424772"/>
-                <a:ext cx="2089410" cy="36000"/>
-              </a:xfrm>
-              <a:prstGeom prst="rect">
-                <a:avLst/>
-              </a:prstGeom>
-              <a:solidFill>
-                <a:schemeClr val="bg1"/>
-              </a:solidFill>
-              <a:ln>
-                <a:noFill/>
-              </a:ln>
-            </p:spPr>
-            <p:style>
-              <a:lnRef idx="2">
-                <a:schemeClr val="accent1">
-                  <a:shade val="15000"/>
-                </a:schemeClr>
-              </a:lnRef>
-              <a:fillRef idx="1">
-                <a:schemeClr val="accent1"/>
-              </a:fillRef>
-              <a:effectRef idx="0">
-                <a:schemeClr val="accent1"/>
-              </a:effectRef>
-              <a:fontRef idx="minor">
-                <a:schemeClr val="lt1"/>
-              </a:fontRef>
-            </p:style>
-            <p:txBody>
-              <a:bodyPr rtlCol="0" anchor="ctr"/>
-              <a:lstStyle/>
-              <a:p>
-                <a:pPr algn="ctr"/>
-                <a:endParaRPr lang="en-CN" sz="3164"/>
-              </a:p>
-            </p:txBody>
-          </p:sp>
-          <p:sp>
-            <p:nvSpPr>
-              <p:cNvPr id="57" name="Rectangle 56">
-                <a:extLst>
-                  <a:ext uri="{FF2B5EF4-FFF2-40B4-BE49-F238E27FC236}">
-                    <a16:creationId xmlns:a16="http://schemas.microsoft.com/office/drawing/2014/main" id="{6BB1258F-0269-CBC1-089B-9D9C5450982A}"/>
-                  </a:ext>
-                </a:extLst>
-              </p:cNvPr>
-              <p:cNvSpPr/>
-              <p:nvPr/>
-            </p:nvSpPr>
-            <p:spPr>
-              <a:xfrm>
-                <a:off x="4757956" y="5678522"/>
-                <a:ext cx="2089410" cy="36000"/>
-              </a:xfrm>
-              <a:prstGeom prst="rect">
-                <a:avLst/>
-              </a:prstGeom>
-              <a:solidFill>
-                <a:schemeClr val="bg1"/>
-              </a:solidFill>
-              <a:ln>
-                <a:noFill/>
-              </a:ln>
-            </p:spPr>
-            <p:style>
-              <a:lnRef idx="2">
-                <a:schemeClr val="accent1">
-                  <a:shade val="15000"/>
-                </a:schemeClr>
-              </a:lnRef>
-              <a:fillRef idx="1">
-                <a:schemeClr val="accent1"/>
-              </a:fillRef>
-              <a:effectRef idx="0">
-                <a:schemeClr val="accent1"/>
-              </a:effectRef>
-              <a:fontRef idx="minor">
-                <a:schemeClr val="lt1"/>
-              </a:fontRef>
-            </p:style>
-            <p:txBody>
-              <a:bodyPr rtlCol="0" anchor="ctr"/>
-              <a:lstStyle/>
-              <a:p>
-                <a:pPr algn="ctr"/>
-                <a:endParaRPr lang="en-CN" sz="3164"/>
-              </a:p>
-            </p:txBody>
-          </p:sp>
-          <p:sp>
-            <p:nvSpPr>
-              <p:cNvPr id="58" name="Rectangle 57">
-                <a:extLst>
-                  <a:ext uri="{FF2B5EF4-FFF2-40B4-BE49-F238E27FC236}">
-                    <a16:creationId xmlns:a16="http://schemas.microsoft.com/office/drawing/2014/main" id="{1648CC8B-61D7-8739-0953-23B0CB39E50A}"/>
-                  </a:ext>
-                </a:extLst>
-              </p:cNvPr>
-              <p:cNvSpPr/>
-              <p:nvPr/>
-            </p:nvSpPr>
-            <p:spPr>
-              <a:xfrm>
-                <a:off x="4757956" y="5932272"/>
-                <a:ext cx="2089410" cy="36000"/>
-              </a:xfrm>
-              <a:prstGeom prst="rect">
-                <a:avLst/>
-              </a:prstGeom>
-              <a:solidFill>
-                <a:schemeClr val="bg1"/>
-              </a:solidFill>
-              <a:ln>
-                <a:noFill/>
-              </a:ln>
-            </p:spPr>
-            <p:style>
-              <a:lnRef idx="2">
-                <a:schemeClr val="accent1">
-                  <a:shade val="15000"/>
-                </a:schemeClr>
-              </a:lnRef>
-              <a:fillRef idx="1">
-                <a:schemeClr val="accent1"/>
-              </a:fillRef>
-              <a:effectRef idx="0">
-                <a:schemeClr val="accent1"/>
-              </a:effectRef>
-              <a:fontRef idx="minor">
-                <a:schemeClr val="lt1"/>
-              </a:fontRef>
-            </p:style>
-            <p:txBody>
-              <a:bodyPr rtlCol="0" anchor="ctr"/>
-              <a:lstStyle/>
-              <a:p>
-                <a:pPr algn="ctr"/>
-                <a:endParaRPr lang="en-CN" sz="3164"/>
-              </a:p>
-            </p:txBody>
-          </p:sp>
-          <p:sp>
-            <p:nvSpPr>
-              <p:cNvPr id="59" name="Rectangle 58">
-                <a:extLst>
-                  <a:ext uri="{FF2B5EF4-FFF2-40B4-BE49-F238E27FC236}">
-                    <a16:creationId xmlns:a16="http://schemas.microsoft.com/office/drawing/2014/main" id="{EE889AA8-1BF6-B17C-096F-776A5A6F4CC6}"/>
-                  </a:ext>
-                </a:extLst>
-              </p:cNvPr>
-              <p:cNvSpPr/>
-              <p:nvPr/>
-            </p:nvSpPr>
-            <p:spPr>
-              <a:xfrm>
-                <a:off x="4757956" y="4790397"/>
-                <a:ext cx="2089410" cy="36000"/>
-              </a:xfrm>
-              <a:prstGeom prst="rect">
-                <a:avLst/>
-              </a:prstGeom>
-              <a:solidFill>
-                <a:schemeClr val="bg1"/>
-              </a:solidFill>
-              <a:ln>
-                <a:noFill/>
-              </a:ln>
-            </p:spPr>
-            <p:style>
-              <a:lnRef idx="2">
-                <a:schemeClr val="accent1">
-                  <a:shade val="15000"/>
-                </a:schemeClr>
-              </a:lnRef>
-              <a:fillRef idx="1">
-                <a:schemeClr val="accent1"/>
-              </a:fillRef>
-              <a:effectRef idx="0">
-                <a:schemeClr val="accent1"/>
-              </a:effectRef>
-              <a:fontRef idx="minor">
-                <a:schemeClr val="lt1"/>
-              </a:fontRef>
-            </p:style>
-            <p:txBody>
-              <a:bodyPr rtlCol="0" anchor="ctr"/>
-              <a:lstStyle/>
-              <a:p>
-                <a:pPr algn="ctr"/>
-                <a:endParaRPr lang="en-CN" sz="3164"/>
-              </a:p>
-            </p:txBody>
-          </p:sp>
-          <p:sp>
-            <p:nvSpPr>
-              <p:cNvPr id="60" name="Rectangle 59">
-                <a:extLst>
-                  <a:ext uri="{FF2B5EF4-FFF2-40B4-BE49-F238E27FC236}">
-                    <a16:creationId xmlns:a16="http://schemas.microsoft.com/office/drawing/2014/main" id="{0BA370F0-2F8C-221F-BBF3-F6369152AB74}"/>
-                  </a:ext>
-                </a:extLst>
-              </p:cNvPr>
-              <p:cNvSpPr/>
-              <p:nvPr/>
-            </p:nvSpPr>
-            <p:spPr>
-              <a:xfrm>
-                <a:off x="4757956" y="5044147"/>
-                <a:ext cx="2089410" cy="36000"/>
-              </a:xfrm>
-              <a:prstGeom prst="rect">
-                <a:avLst/>
-              </a:prstGeom>
-              <a:solidFill>
-                <a:schemeClr val="bg1"/>
-              </a:solidFill>
-              <a:ln>
-                <a:noFill/>
-              </a:ln>
-            </p:spPr>
-            <p:style>
-              <a:lnRef idx="2">
-                <a:schemeClr val="accent1">
-                  <a:shade val="15000"/>
-                </a:schemeClr>
-              </a:lnRef>
-              <a:fillRef idx="1">
-                <a:schemeClr val="accent1"/>
-              </a:fillRef>
-              <a:effectRef idx="0">
-                <a:schemeClr val="accent1"/>
-              </a:effectRef>
-              <a:fontRef idx="minor">
-                <a:schemeClr val="lt1"/>
-              </a:fontRef>
-            </p:style>
-            <p:txBody>
-              <a:bodyPr rtlCol="0" anchor="ctr"/>
-              <a:lstStyle/>
-              <a:p>
-                <a:pPr algn="ctr"/>
-                <a:endParaRPr lang="en-CN" sz="3164"/>
-              </a:p>
-            </p:txBody>
-          </p:sp>
-          <p:sp>
-            <p:nvSpPr>
-              <p:cNvPr id="61" name="Rectangle 60">
-                <a:extLst>
-                  <a:ext uri="{FF2B5EF4-FFF2-40B4-BE49-F238E27FC236}">
-                    <a16:creationId xmlns:a16="http://schemas.microsoft.com/office/drawing/2014/main" id="{042F781F-2FE7-492D-855D-71C3D82EB14D}"/>
-                  </a:ext>
-                </a:extLst>
-              </p:cNvPr>
-              <p:cNvSpPr/>
-              <p:nvPr/>
-            </p:nvSpPr>
-            <p:spPr>
-              <a:xfrm>
-                <a:off x="4757956" y="5297897"/>
-                <a:ext cx="2089410" cy="36000"/>
-              </a:xfrm>
-              <a:prstGeom prst="rect">
-                <a:avLst/>
-              </a:prstGeom>
-              <a:solidFill>
-                <a:schemeClr val="bg1"/>
-              </a:solidFill>
-              <a:ln>
-                <a:noFill/>
-              </a:ln>
-            </p:spPr>
-            <p:style>
-              <a:lnRef idx="2">
-                <a:schemeClr val="accent1">
-                  <a:shade val="15000"/>
-                </a:schemeClr>
-              </a:lnRef>
-              <a:fillRef idx="1">
-                <a:schemeClr val="accent1"/>
-              </a:fillRef>
-              <a:effectRef idx="0">
-                <a:schemeClr val="accent1"/>
-              </a:effectRef>
-              <a:fontRef idx="minor">
-                <a:schemeClr val="lt1"/>
-              </a:fontRef>
-            </p:style>
-            <p:txBody>
-              <a:bodyPr rtlCol="0" anchor="ctr"/>
-              <a:lstStyle/>
-              <a:p>
-                <a:pPr algn="ctr"/>
-                <a:endParaRPr lang="en-CN" sz="3164"/>
-              </a:p>
-            </p:txBody>
-          </p:sp>
-          <p:sp>
-            <p:nvSpPr>
-              <p:cNvPr id="62" name="Rectangle 61">
-                <a:extLst>
-                  <a:ext uri="{FF2B5EF4-FFF2-40B4-BE49-F238E27FC236}">
-                    <a16:creationId xmlns:a16="http://schemas.microsoft.com/office/drawing/2014/main" id="{4EFE6C89-608D-C503-6705-A003C21C0EEF}"/>
-                  </a:ext>
-                </a:extLst>
-              </p:cNvPr>
-              <p:cNvSpPr/>
-              <p:nvPr/>
-            </p:nvSpPr>
-            <p:spPr>
-              <a:xfrm>
-                <a:off x="4757956" y="5551647"/>
-                <a:ext cx="2089410" cy="36000"/>
-              </a:xfrm>
-              <a:prstGeom prst="rect">
-                <a:avLst/>
-              </a:prstGeom>
-              <a:solidFill>
-                <a:schemeClr val="bg1"/>
-              </a:solidFill>
-              <a:ln>
-                <a:noFill/>
-              </a:ln>
-            </p:spPr>
-            <p:style>
-              <a:lnRef idx="2">
-                <a:schemeClr val="accent1">
-                  <a:shade val="15000"/>
-                </a:schemeClr>
-              </a:lnRef>
-              <a:fillRef idx="1">
-                <a:schemeClr val="accent1"/>
-              </a:fillRef>
-              <a:effectRef idx="0">
-                <a:schemeClr val="accent1"/>
-              </a:effectRef>
-              <a:fontRef idx="minor">
-                <a:schemeClr val="lt1"/>
-              </a:fontRef>
-            </p:style>
-            <p:txBody>
-              <a:bodyPr rtlCol="0" anchor="ctr"/>
-              <a:lstStyle/>
-              <a:p>
-                <a:pPr algn="ctr"/>
-                <a:endParaRPr lang="en-CN" sz="3164"/>
-              </a:p>
-            </p:txBody>
-          </p:sp>
-          <p:sp>
-            <p:nvSpPr>
-              <p:cNvPr id="63" name="Rectangle 62">
-                <a:extLst>
-                  <a:ext uri="{FF2B5EF4-FFF2-40B4-BE49-F238E27FC236}">
-                    <a16:creationId xmlns:a16="http://schemas.microsoft.com/office/drawing/2014/main" id="{CF3E10FC-8209-DD78-B710-7866C0DAA5C9}"/>
-                  </a:ext>
-                </a:extLst>
-              </p:cNvPr>
-              <p:cNvSpPr/>
-              <p:nvPr/>
-            </p:nvSpPr>
-            <p:spPr>
-              <a:xfrm>
-                <a:off x="4757956" y="5805397"/>
-                <a:ext cx="2089410" cy="36000"/>
-              </a:xfrm>
-              <a:prstGeom prst="rect">
-                <a:avLst/>
-              </a:prstGeom>
-              <a:solidFill>
-                <a:schemeClr val="bg1"/>
-              </a:solidFill>
-              <a:ln>
-                <a:noFill/>
-              </a:ln>
-            </p:spPr>
-            <p:style>
-              <a:lnRef idx="2">
-                <a:schemeClr val="accent1">
-                  <a:shade val="15000"/>
-                </a:schemeClr>
-              </a:lnRef>
-              <a:fillRef idx="1">
-                <a:schemeClr val="accent1"/>
-              </a:fillRef>
-              <a:effectRef idx="0">
-                <a:schemeClr val="accent1"/>
-              </a:effectRef>
-              <a:fontRef idx="minor">
-                <a:schemeClr val="lt1"/>
-              </a:fontRef>
-            </p:style>
-            <p:txBody>
-              <a:bodyPr rtlCol="0" anchor="ctr"/>
-              <a:lstStyle/>
-              <a:p>
-                <a:pPr algn="ctr"/>
-                <a:endParaRPr lang="en-CN" sz="3164"/>
-              </a:p>
-            </p:txBody>
-          </p:sp>
-          <p:sp>
-            <p:nvSpPr>
-              <p:cNvPr id="64" name="Rectangle 63">
-                <a:extLst>
-                  <a:ext uri="{FF2B5EF4-FFF2-40B4-BE49-F238E27FC236}">
-                    <a16:creationId xmlns:a16="http://schemas.microsoft.com/office/drawing/2014/main" id="{8A88F39A-6CCD-AAF1-BC55-FBE05450EC82}"/>
-                  </a:ext>
-                </a:extLst>
-              </p:cNvPr>
-              <p:cNvSpPr/>
-              <p:nvPr/>
-            </p:nvSpPr>
-            <p:spPr>
-              <a:xfrm>
-                <a:off x="4757956" y="6059147"/>
-                <a:ext cx="2089410" cy="36000"/>
-              </a:xfrm>
-              <a:prstGeom prst="rect">
-                <a:avLst/>
-              </a:prstGeom>
-              <a:solidFill>
-                <a:schemeClr val="bg1"/>
-              </a:solidFill>
-              <a:ln>
-                <a:noFill/>
-              </a:ln>
-            </p:spPr>
-            <p:style>
-              <a:lnRef idx="2">
-                <a:schemeClr val="accent1">
-                  <a:shade val="15000"/>
-                </a:schemeClr>
-              </a:lnRef>
-              <a:fillRef idx="1">
-                <a:schemeClr val="accent1"/>
-              </a:fillRef>
-              <a:effectRef idx="0">
-                <a:schemeClr val="accent1"/>
-              </a:effectRef>
-              <a:fontRef idx="minor">
-                <a:schemeClr val="lt1"/>
-              </a:fontRef>
-            </p:style>
-            <p:txBody>
-              <a:bodyPr rtlCol="0" anchor="ctr"/>
-              <a:lstStyle/>
-              <a:p>
-                <a:pPr algn="ctr"/>
-                <a:endParaRPr lang="en-CN" sz="3164"/>
-              </a:p>
-            </p:txBody>
-          </p:sp>
-          <p:sp>
-            <p:nvSpPr>
-              <p:cNvPr id="65" name="Rectangle 64">
-                <a:extLst>
-                  <a:ext uri="{FF2B5EF4-FFF2-40B4-BE49-F238E27FC236}">
-                    <a16:creationId xmlns:a16="http://schemas.microsoft.com/office/drawing/2014/main" id="{8E64D734-65A6-1535-7E23-E753D34F388D}"/>
-                  </a:ext>
-                </a:extLst>
-              </p:cNvPr>
-              <p:cNvSpPr/>
-              <p:nvPr/>
-            </p:nvSpPr>
-            <p:spPr>
-              <a:xfrm>
-                <a:off x="4757956" y="6186020"/>
-                <a:ext cx="2089410" cy="36000"/>
-              </a:xfrm>
-              <a:prstGeom prst="rect">
-                <a:avLst/>
-              </a:prstGeom>
-              <a:solidFill>
-                <a:schemeClr val="bg1"/>
-              </a:solidFill>
-              <a:ln>
-                <a:noFill/>
-              </a:ln>
-            </p:spPr>
-            <p:style>
-              <a:lnRef idx="2">
-                <a:schemeClr val="accent1">
-                  <a:shade val="15000"/>
-                </a:schemeClr>
-              </a:lnRef>
-              <a:fillRef idx="1">
-                <a:schemeClr val="accent1"/>
-              </a:fillRef>
-              <a:effectRef idx="0">
-                <a:schemeClr val="accent1"/>
-              </a:effectRef>
-              <a:fontRef idx="minor">
-                <a:schemeClr val="lt1"/>
-              </a:fontRef>
-            </p:style>
-            <p:txBody>
-              <a:bodyPr rtlCol="0" anchor="ctr"/>
-              <a:lstStyle/>
-              <a:p>
-                <a:pPr algn="ctr"/>
-                <a:endParaRPr lang="en-CN" sz="3164"/>
-              </a:p>
-            </p:txBody>
-          </p:sp>
-        </p:grpSp>
-        <p:sp>
-          <p:nvSpPr>
-            <p:cNvPr id="51" name="Rectangle 50">
-              <a:extLst>
-                <a:ext uri="{FF2B5EF4-FFF2-40B4-BE49-F238E27FC236}">
-                  <a16:creationId xmlns:a16="http://schemas.microsoft.com/office/drawing/2014/main" id="{E65C09F7-9CDF-F8AE-7F67-49D4EAE42D8C}"/>
-                </a:ext>
-              </a:extLst>
-            </p:cNvPr>
-            <p:cNvSpPr/>
-            <p:nvPr/>
-          </p:nvSpPr>
-          <p:spPr>
-            <a:xfrm>
-              <a:off x="2940908" y="4522573"/>
-              <a:ext cx="1606378" cy="1161535"/>
-            </a:xfrm>
-            <a:prstGeom prst="rect">
-              <a:avLst/>
-            </a:prstGeom>
-            <a:solidFill>
-              <a:schemeClr val="bg1"/>
-            </a:solidFill>
-            <a:ln>
-              <a:noFill/>
-            </a:ln>
-          </p:spPr>
-          <p:style>
-            <a:lnRef idx="2">
-              <a:schemeClr val="accent1">
-                <a:shade val="15000"/>
-              </a:schemeClr>
-            </a:lnRef>
-            <a:fillRef idx="1">
-              <a:schemeClr val="accent1"/>
-            </a:fillRef>
-            <a:effectRef idx="0">
-              <a:schemeClr val="accent1"/>
-            </a:effectRef>
-            <a:fontRef idx="minor">
-              <a:schemeClr val="lt1"/>
-            </a:fontRef>
-          </p:style>
-          <p:txBody>
-            <a:bodyPr rtlCol="0" anchor="ctr"/>
-            <a:lstStyle/>
-            <a:p>
-              <a:pPr algn="ctr"/>
-              <a:endParaRPr lang="en-CN" sz="3164"/>
-            </a:p>
-          </p:txBody>
-        </p:sp>
-        <p:sp>
-          <p:nvSpPr>
-            <p:cNvPr id="52" name="TextBox 51">
-              <a:extLst>
-                <a:ext uri="{FF2B5EF4-FFF2-40B4-BE49-F238E27FC236}">
-                  <a16:creationId xmlns:a16="http://schemas.microsoft.com/office/drawing/2014/main" id="{5A9DDAA7-E2E6-891D-2C97-5A49B633041D}"/>
+                  <a16:creationId xmlns:a16="http://schemas.microsoft.com/office/drawing/2014/main" id="{FC2237B6-B871-A86F-9312-A40B715C1BA2}"/>
                 </a:ext>
               </a:extLst>
             </p:cNvPr>
@@ -4718,8 +4052,8 @@
           </p:nvSpPr>
           <p:spPr>
             <a:xfrm>
-              <a:off x="2730240" y="4100777"/>
-              <a:ext cx="2707905" cy="2591817"/>
+              <a:off x="18161868" y="1455028"/>
+              <a:ext cx="4752602" cy="4548851"/>
             </a:xfrm>
             <a:prstGeom prst="rect">
               <a:avLst/>
@@ -4729,6 +4063,12 @@
               <a:noFill/>
             </a:ln>
             <a:effectLst>
+              <a:glow rad="228600">
+                <a:schemeClr val="accent3">
+                  <a:satMod val="175000"/>
+                  <a:alpha val="40000"/>
+                </a:schemeClr>
+              </a:glow>
               <a:outerShdw blurRad="50800" dist="38100" dir="2700000" algn="tl" rotWithShape="0">
                 <a:prstClr val="black">
                   <a:alpha val="40000"/>
@@ -4737,7 +4077,7 @@
             </a:effectLst>
           </p:spPr>
           <p:txBody>
-            <a:bodyPr wrap="none" rtlCol="0">
+            <a:bodyPr wrap="none" lIns="0" tIns="0" rIns="0" bIns="0" rtlCol="0">
               <a:normAutofit/>
             </a:bodyPr>
             <a:lstStyle/>
@@ -4786,7 +4126,402 @@
             </a:p>
           </p:txBody>
         </p:sp>
+        <p:sp>
+          <p:nvSpPr>
+            <p:cNvPr id="37" name="Freeform 36">
+              <a:extLst>
+                <a:ext uri="{FF2B5EF4-FFF2-40B4-BE49-F238E27FC236}">
+                  <a16:creationId xmlns:a16="http://schemas.microsoft.com/office/drawing/2014/main" id="{557016D9-9481-9E31-042D-E2760E599126}"/>
+                </a:ext>
+              </a:extLst>
+            </p:cNvPr>
+            <p:cNvSpPr/>
+            <p:nvPr/>
+          </p:nvSpPr>
+          <p:spPr>
+            <a:xfrm>
+              <a:off x="17288172" y="2319505"/>
+              <a:ext cx="866274" cy="1453415"/>
+            </a:xfrm>
+            <a:custGeom>
+              <a:avLst/>
+              <a:gdLst>
+                <a:gd name="connsiteX0" fmla="*/ 0 w 866274"/>
+                <a:gd name="connsiteY0" fmla="*/ 0 h 1453415"/>
+                <a:gd name="connsiteX1" fmla="*/ 577516 w 866274"/>
+                <a:gd name="connsiteY1" fmla="*/ 0 h 1453415"/>
+                <a:gd name="connsiteX2" fmla="*/ 866274 w 866274"/>
+                <a:gd name="connsiteY2" fmla="*/ 1453415 h 1453415"/>
+                <a:gd name="connsiteX3" fmla="*/ 279133 w 866274"/>
+                <a:gd name="connsiteY3" fmla="*/ 1453415 h 1453415"/>
+                <a:gd name="connsiteX4" fmla="*/ 0 w 866274"/>
+                <a:gd name="connsiteY4" fmla="*/ 0 h 1453415"/>
+              </a:gdLst>
+              <a:ahLst/>
+              <a:cxnLst>
+                <a:cxn ang="0">
+                  <a:pos x="connsiteX0" y="connsiteY0"/>
+                </a:cxn>
+                <a:cxn ang="0">
+                  <a:pos x="connsiteX1" y="connsiteY1"/>
+                </a:cxn>
+                <a:cxn ang="0">
+                  <a:pos x="connsiteX2" y="connsiteY2"/>
+                </a:cxn>
+                <a:cxn ang="0">
+                  <a:pos x="connsiteX3" y="connsiteY3"/>
+                </a:cxn>
+                <a:cxn ang="0">
+                  <a:pos x="connsiteX4" y="connsiteY4"/>
+                </a:cxn>
+              </a:cxnLst>
+              <a:rect l="l" t="t" r="r" b="b"/>
+              <a:pathLst>
+                <a:path w="866274" h="1453415">
+                  <a:moveTo>
+                    <a:pt x="0" y="0"/>
+                  </a:moveTo>
+                  <a:lnTo>
+                    <a:pt x="577516" y="0"/>
+                  </a:lnTo>
+                  <a:lnTo>
+                    <a:pt x="866274" y="1453415"/>
+                  </a:lnTo>
+                  <a:lnTo>
+                    <a:pt x="279133" y="1453415"/>
+                  </a:lnTo>
+                  <a:lnTo>
+                    <a:pt x="0" y="0"/>
+                  </a:lnTo>
+                  <a:close/>
+                </a:path>
+              </a:pathLst>
+            </a:custGeom>
+            <a:solidFill>
+              <a:srgbClr val="FF0000"/>
+            </a:solidFill>
+            <a:ln>
+              <a:noFill/>
+            </a:ln>
+            <a:effectLst>
+              <a:outerShdw blurRad="137397" dist="49212" dir="8100000" sx="111000" sy="111000" algn="tr" rotWithShape="0">
+                <a:prstClr val="black">
+                  <a:alpha val="40000"/>
+                </a:prstClr>
+              </a:outerShdw>
+            </a:effectLst>
+          </p:spPr>
+          <p:style>
+            <a:lnRef idx="2">
+              <a:schemeClr val="accent1">
+                <a:shade val="15000"/>
+              </a:schemeClr>
+            </a:lnRef>
+            <a:fillRef idx="1">
+              <a:schemeClr val="accent1"/>
+            </a:fillRef>
+            <a:effectRef idx="0">
+              <a:schemeClr val="accent1"/>
+            </a:effectRef>
+            <a:fontRef idx="minor">
+              <a:schemeClr val="lt1"/>
+            </a:fontRef>
+          </p:style>
+          <p:txBody>
+            <a:bodyPr rtlCol="0" anchor="ctr"/>
+            <a:lstStyle/>
+            <a:p>
+              <a:pPr algn="ctr"/>
+              <a:endParaRPr lang="en-CN">
+                <a:effectLst>
+                  <a:glow rad="228600">
+                    <a:schemeClr val="accent2">
+                      <a:satMod val="175000"/>
+                      <a:alpha val="40000"/>
+                    </a:schemeClr>
+                  </a:glow>
+                  <a:outerShdw blurRad="50800" dist="38100" dir="10800000" algn="r" rotWithShape="0">
+                    <a:prstClr val="black">
+                      <a:alpha val="40000"/>
+                    </a:prstClr>
+                  </a:outerShdw>
+                </a:effectLst>
+              </a:endParaRPr>
+            </a:p>
+          </p:txBody>
+        </p:sp>
       </p:grpSp>
+    </p:spTree>
+    <p:extLst>
+      <p:ext uri="{BB962C8B-B14F-4D97-AF65-F5344CB8AC3E}">
+        <p14:creationId xmlns:p14="http://schemas.microsoft.com/office/powerpoint/2010/main" val="829312134"/>
+      </p:ext>
+    </p:extLst>
+  </p:cSld>
+  <p:clrMapOvr>
+    <a:masterClrMapping/>
+  </p:clrMapOvr>
+</p:sld>
+</file>
+
+<file path=ppt/slides/slide2.xml><?xml version="1.0" encoding="utf-8"?>
+<p:sld xmlns:a="http://schemas.openxmlformats.org/drawingml/2006/main" xmlns:r="http://schemas.openxmlformats.org/officeDocument/2006/relationships" xmlns:p="http://schemas.openxmlformats.org/presentationml/2006/main">
+  <p:cSld>
+    <p:spTree>
+      <p:nvGrpSpPr>
+        <p:cNvPr id="1" name=""/>
+        <p:cNvGrpSpPr/>
+        <p:nvPr/>
+      </p:nvGrpSpPr>
+      <p:grpSpPr>
+        <a:xfrm>
+          <a:off x="0" y="0"/>
+          <a:ext cx="0" cy="0"/>
+          <a:chOff x="0" y="0"/>
+          <a:chExt cx="0" cy="0"/>
+        </a:xfrm>
+      </p:grpSpPr>
+      <p:sp>
+        <p:nvSpPr>
+          <p:cNvPr id="16" name="TextBox 15">
+            <a:extLst>
+              <a:ext uri="{FF2B5EF4-FFF2-40B4-BE49-F238E27FC236}">
+                <a16:creationId xmlns:a16="http://schemas.microsoft.com/office/drawing/2014/main" id="{EF4A7A5F-E419-4C8F-92BF-A1B404117851}"/>
+              </a:ext>
+            </a:extLst>
+          </p:cNvPr>
+          <p:cNvSpPr txBox="1"/>
+          <p:nvPr/>
+        </p:nvSpPr>
+        <p:spPr>
+          <a:xfrm>
+            <a:off x="12281583" y="8534233"/>
+            <a:ext cx="18625900" cy="3000821"/>
+          </a:xfrm>
+          <a:prstGeom prst="rect">
+            <a:avLst/>
+          </a:prstGeom>
+          <a:noFill/>
+          <a:ln>
+            <a:noFill/>
+          </a:ln>
+        </p:spPr>
+        <p:txBody>
+          <a:bodyPr wrap="square" rtlCol="0">
+            <a:spAutoFit/>
+            <a:scene3d>
+              <a:camera prst="orthographicFront"/>
+              <a:lightRig rig="soft" dir="t">
+                <a:rot lat="0" lon="0" rev="15600000"/>
+              </a:lightRig>
+            </a:scene3d>
+            <a:sp3d extrusionH="57150" prstMaterial="softEdge">
+              <a:bevelT w="25400" h="38100"/>
+            </a:sp3d>
+          </a:bodyPr>
+          <a:lstStyle/>
+          <a:p>
+            <a:pPr algn="dist"/>
+            <a:r>
+              <a:rPr lang="en-CN" sz="14500" b="1" dirty="0">
+                <a:latin typeface="Xingkai TC" panose="02010600040101010101" pitchFamily="2" charset="-120"/>
+                <a:ea typeface="Xingkai TC" panose="02010600040101010101" pitchFamily="2" charset="-120"/>
+              </a:rPr>
+              <a:t>武汉光电国家研究中心</a:t>
+            </a:r>
+          </a:p>
+          <a:p>
+            <a:pPr algn="dist"/>
+            <a:r>
+              <a:rPr lang="en-US" sz="4400" b="1" dirty="0">
+                <a:ln w="34925">
+                  <a:solidFill>
+                    <a:schemeClr val="tx1"/>
+                  </a:solidFill>
+                </a:ln>
+                <a:effectLst/>
+                <a:latin typeface="Arial" panose="020B0604020202020204" pitchFamily="34" charset="0"/>
+                <a:cs typeface="Arial" panose="020B0604020202020204" pitchFamily="34" charset="0"/>
+              </a:rPr>
+              <a:t>WUHAN NATIONAL LABORATORY FOR </a:t>
+            </a:r>
+            <a:r>
+              <a:rPr lang="en-US" altLang="zh-CN" sz="4400" b="1" dirty="0">
+                <a:ln w="34925">
+                  <a:solidFill>
+                    <a:schemeClr val="tx1"/>
+                  </a:solidFill>
+                </a:ln>
+                <a:effectLst/>
+                <a:latin typeface="Arial" panose="020B0604020202020204" pitchFamily="34" charset="0"/>
+                <a:cs typeface="Arial" panose="020B0604020202020204" pitchFamily="34" charset="0"/>
+              </a:rPr>
+              <a:t>OPTOELECTRONICS</a:t>
+            </a:r>
+            <a:endParaRPr lang="en-US" sz="4400" b="1" dirty="0">
+              <a:ln w="34925">
+                <a:solidFill>
+                  <a:schemeClr val="tx1"/>
+                </a:solidFill>
+              </a:ln>
+              <a:effectLst/>
+              <a:latin typeface="Arial" panose="020B0604020202020204" pitchFamily="34" charset="0"/>
+              <a:cs typeface="Arial" panose="020B0604020202020204" pitchFamily="34" charset="0"/>
+            </a:endParaRPr>
+          </a:p>
+        </p:txBody>
+      </p:sp>
+      <p:sp>
+        <p:nvSpPr>
+          <p:cNvPr id="18" name="TextBox 17">
+            <a:extLst>
+              <a:ext uri="{FF2B5EF4-FFF2-40B4-BE49-F238E27FC236}">
+                <a16:creationId xmlns:a16="http://schemas.microsoft.com/office/drawing/2014/main" id="{EBD840A8-C3FA-146B-22EF-37B5A8CA2309}"/>
+              </a:ext>
+            </a:extLst>
+          </p:cNvPr>
+          <p:cNvSpPr txBox="1"/>
+          <p:nvPr/>
+        </p:nvSpPr>
+        <p:spPr>
+          <a:xfrm>
+            <a:off x="12281583" y="13126657"/>
+            <a:ext cx="18625900" cy="3062377"/>
+          </a:xfrm>
+          <a:prstGeom prst="rect">
+            <a:avLst/>
+          </a:prstGeom>
+          <a:noFill/>
+        </p:spPr>
+        <p:txBody>
+          <a:bodyPr wrap="square">
+            <a:spAutoFit/>
+          </a:bodyPr>
+          <a:lstStyle/>
+          <a:p>
+            <a:pPr algn="dist"/>
+            <a:r>
+              <a:rPr lang="en-CN" sz="14500" b="1" dirty="0">
+                <a:solidFill>
+                  <a:schemeClr val="bg1">
+                    <a:lumMod val="50000"/>
+                  </a:schemeClr>
+                </a:solidFill>
+                <a:latin typeface="Xingkai TC" panose="02010600040101010101" pitchFamily="2" charset="-120"/>
+                <a:ea typeface="Xingkai TC" panose="02010600040101010101" pitchFamily="2" charset="-120"/>
+              </a:rPr>
+              <a:t>武汉光电国家研究中心</a:t>
+            </a:r>
+          </a:p>
+          <a:p>
+            <a:pPr algn="dist"/>
+            <a:r>
+              <a:rPr lang="en-US" sz="4400" b="1" dirty="0">
+                <a:solidFill>
+                  <a:schemeClr val="bg1">
+                    <a:lumMod val="50000"/>
+                  </a:schemeClr>
+                </a:solidFill>
+                <a:latin typeface="Arial" panose="020B0604020202020204" pitchFamily="34" charset="0"/>
+                <a:ea typeface="Xingkai TC" panose="02010600040101010101" pitchFamily="2" charset="-120"/>
+                <a:cs typeface="Arial" panose="020B0604020202020204" pitchFamily="34" charset="0"/>
+              </a:rPr>
+              <a:t>WUHAN NATIONAL LABORATORY FOR </a:t>
+            </a:r>
+            <a:r>
+              <a:rPr lang="en-US" altLang="zh-CN" sz="4400" b="1" dirty="0">
+                <a:solidFill>
+                  <a:schemeClr val="bg1">
+                    <a:lumMod val="50000"/>
+                  </a:schemeClr>
+                </a:solidFill>
+                <a:latin typeface="Arial" panose="020B0604020202020204" pitchFamily="34" charset="0"/>
+                <a:ea typeface="Xingkai TC" panose="02010600040101010101" pitchFamily="2" charset="-120"/>
+                <a:cs typeface="Arial" panose="020B0604020202020204" pitchFamily="34" charset="0"/>
+              </a:rPr>
+              <a:t>OPTOELECTRONICS</a:t>
+            </a:r>
+            <a:endParaRPr lang="en-US" sz="4400" b="1" dirty="0">
+              <a:solidFill>
+                <a:schemeClr val="bg1">
+                  <a:lumMod val="50000"/>
+                </a:schemeClr>
+              </a:solidFill>
+              <a:latin typeface="Arial" panose="020B0604020202020204" pitchFamily="34" charset="0"/>
+              <a:ea typeface="Xingkai TC" panose="02010600040101010101" pitchFamily="2" charset="-120"/>
+              <a:cs typeface="Arial" panose="020B0604020202020204" pitchFamily="34" charset="0"/>
+            </a:endParaRPr>
+          </a:p>
+        </p:txBody>
+      </p:sp>
+      <p:sp>
+        <p:nvSpPr>
+          <p:cNvPr id="19" name="TextBox 18">
+            <a:extLst>
+              <a:ext uri="{FF2B5EF4-FFF2-40B4-BE49-F238E27FC236}">
+                <a16:creationId xmlns:a16="http://schemas.microsoft.com/office/drawing/2014/main" id="{36E9ADFD-6A3B-988C-1928-04616225225A}"/>
+              </a:ext>
+            </a:extLst>
+          </p:cNvPr>
+          <p:cNvSpPr txBox="1"/>
+          <p:nvPr/>
+        </p:nvSpPr>
+        <p:spPr>
+          <a:xfrm>
+            <a:off x="12281583" y="17780637"/>
+            <a:ext cx="18625901" cy="3000821"/>
+          </a:xfrm>
+          <a:prstGeom prst="rect">
+            <a:avLst/>
+          </a:prstGeom>
+          <a:noFill/>
+        </p:spPr>
+        <p:txBody>
+          <a:bodyPr wrap="square">
+            <a:spAutoFit/>
+          </a:bodyPr>
+          <a:lstStyle/>
+          <a:p>
+            <a:pPr algn="dist"/>
+            <a:r>
+              <a:rPr lang="en-CN" sz="14500" b="1" dirty="0">
+                <a:solidFill>
+                  <a:srgbClr val="0070C0"/>
+                </a:solidFill>
+                <a:latin typeface="Xingkai TC" panose="02010600040101010101" pitchFamily="2" charset="-120"/>
+                <a:ea typeface="Xingkai TC" panose="02010600040101010101" pitchFamily="2" charset="-120"/>
+              </a:rPr>
+              <a:t>武汉光电国家研究中心</a:t>
+            </a:r>
+          </a:p>
+          <a:p>
+            <a:pPr algn="dist"/>
+            <a:r>
+              <a:rPr lang="en-US" sz="4400" b="1" dirty="0">
+                <a:ln w="34925">
+                  <a:solidFill>
+                    <a:schemeClr val="accent1"/>
+                  </a:solidFill>
+                </a:ln>
+                <a:solidFill>
+                  <a:srgbClr val="0070C0"/>
+                </a:solidFill>
+                <a:effectLst>
+                  <a:outerShdw blurRad="38100" dist="25400" dir="5400000" algn="ctr" rotWithShape="0">
+                    <a:srgbClr val="6E747A">
+                      <a:alpha val="43000"/>
+                    </a:srgbClr>
+                  </a:outerShdw>
+                </a:effectLst>
+                <a:latin typeface="Arial" panose="020B0604020202020204" pitchFamily="34" charset="0"/>
+                <a:ea typeface="Xingkai TC" panose="02010600040101010101" pitchFamily="2" charset="-120"/>
+                <a:cs typeface="Arial" panose="020B0604020202020204" pitchFamily="34" charset="0"/>
+              </a:rPr>
+              <a:t>WUHAN NATIONAL LABORATORY FOR OPTOELECTRONICS</a:t>
+            </a:r>
+          </a:p>
+        </p:txBody>
+      </p:sp>
       <p:sp>
         <p:nvSpPr>
           <p:cNvPr id="66" name="TextBox 65">
@@ -4822,10 +4557,392 @@
           </a:p>
         </p:txBody>
       </p:sp>
+      <p:sp>
+        <p:nvSpPr>
+          <p:cNvPr id="2" name="TextBox 1">
+            <a:extLst>
+              <a:ext uri="{FF2B5EF4-FFF2-40B4-BE49-F238E27FC236}">
+                <a16:creationId xmlns:a16="http://schemas.microsoft.com/office/drawing/2014/main" id="{C56CA789-5A09-E366-31AF-73329F51F8DC}"/>
+              </a:ext>
+            </a:extLst>
+          </p:cNvPr>
+          <p:cNvSpPr txBox="1"/>
+          <p:nvPr/>
+        </p:nvSpPr>
+        <p:spPr>
+          <a:xfrm>
+            <a:off x="17236985" y="5314997"/>
+            <a:ext cx="7739994" cy="1200329"/>
+          </a:xfrm>
+          <a:prstGeom prst="rect">
+            <a:avLst/>
+          </a:prstGeom>
+          <a:noFill/>
+        </p:spPr>
+        <p:txBody>
+          <a:bodyPr wrap="square" rtlCol="0">
+            <a:spAutoFit/>
+          </a:bodyPr>
+          <a:lstStyle/>
+          <a:p>
+            <a:pPr algn="ctr"/>
+            <a:r>
+              <a:rPr lang="en-US" sz="7200" b="1" dirty="0">
+                <a:solidFill>
+                  <a:srgbClr val="0070C0"/>
+                </a:solidFill>
+                <a:latin typeface="Arial" panose="020B0604020202020204" pitchFamily="34" charset="0"/>
+                <a:cs typeface="Arial" panose="020B0604020202020204" pitchFamily="34" charset="0"/>
+              </a:rPr>
+              <a:t>wnlo.hust.edu.cn</a:t>
+            </a:r>
+            <a:endParaRPr lang="en-CN" sz="7200" b="1" dirty="0">
+              <a:solidFill>
+                <a:srgbClr val="0070C0"/>
+              </a:solidFill>
+              <a:latin typeface="Arial" panose="020B0604020202020204" pitchFamily="34" charset="0"/>
+              <a:cs typeface="Arial" panose="020B0604020202020204" pitchFamily="34" charset="0"/>
+            </a:endParaRPr>
+          </a:p>
+        </p:txBody>
+      </p:sp>
+      <p:sp>
+        <p:nvSpPr>
+          <p:cNvPr id="3" name="TextBox 2">
+            <a:extLst>
+              <a:ext uri="{FF2B5EF4-FFF2-40B4-BE49-F238E27FC236}">
+                <a16:creationId xmlns:a16="http://schemas.microsoft.com/office/drawing/2014/main" id="{9AB55575-851B-016E-4ED5-E7CEED35DFA2}"/>
+              </a:ext>
+            </a:extLst>
+          </p:cNvPr>
+          <p:cNvSpPr txBox="1"/>
+          <p:nvPr/>
+        </p:nvSpPr>
+        <p:spPr>
+          <a:xfrm>
+            <a:off x="14051279" y="22258221"/>
+            <a:ext cx="14954473" cy="3000821"/>
+          </a:xfrm>
+          <a:prstGeom prst="rect">
+            <a:avLst/>
+          </a:prstGeom>
+          <a:noFill/>
+        </p:spPr>
+        <p:txBody>
+          <a:bodyPr wrap="square">
+            <a:spAutoFit/>
+          </a:bodyPr>
+          <a:lstStyle/>
+          <a:p>
+            <a:pPr algn="dist"/>
+            <a:r>
+              <a:rPr lang="en-CN" sz="14500" b="1" dirty="0">
+                <a:solidFill>
+                  <a:srgbClr val="0070C0"/>
+                </a:solidFill>
+                <a:latin typeface="Xingkai TC" panose="02010600040101010101" pitchFamily="2" charset="-120"/>
+                <a:ea typeface="Xingkai TC" panose="02010600040101010101" pitchFamily="2" charset="-120"/>
+              </a:rPr>
+              <a:t>华中科技大学</a:t>
+            </a:r>
+          </a:p>
+          <a:p>
+            <a:pPr algn="dist"/>
+            <a:r>
+              <a:rPr lang="en-US" sz="4400" b="1" dirty="0">
+                <a:ln w="34925">
+                  <a:solidFill>
+                    <a:schemeClr val="accent1"/>
+                  </a:solidFill>
+                </a:ln>
+                <a:solidFill>
+                  <a:srgbClr val="0070C0"/>
+                </a:solidFill>
+                <a:effectLst>
+                  <a:outerShdw blurRad="38100" dist="25400" dir="5400000" algn="ctr" rotWithShape="0">
+                    <a:srgbClr val="6E747A">
+                      <a:alpha val="43000"/>
+                    </a:srgbClr>
+                  </a:outerShdw>
+                </a:effectLst>
+                <a:latin typeface="Arial" panose="020B0604020202020204" pitchFamily="34" charset="0"/>
+                <a:ea typeface="Xingkai TC" panose="02010600040101010101" pitchFamily="2" charset="-120"/>
+                <a:cs typeface="Arial" panose="020B0604020202020204" pitchFamily="34" charset="0"/>
+              </a:rPr>
+              <a:t>Huazhong University of Science and Technology</a:t>
+            </a:r>
+          </a:p>
+        </p:txBody>
+      </p:sp>
+      <p:grpSp>
+        <p:nvGrpSpPr>
+          <p:cNvPr id="32" name="Group 31">
+            <a:extLst>
+              <a:ext uri="{FF2B5EF4-FFF2-40B4-BE49-F238E27FC236}">
+                <a16:creationId xmlns:a16="http://schemas.microsoft.com/office/drawing/2014/main" id="{C62F1834-0260-1F3B-3C3B-813CCA52CF8E}"/>
+              </a:ext>
+            </a:extLst>
+          </p:cNvPr>
+          <p:cNvGrpSpPr/>
+          <p:nvPr/>
+        </p:nvGrpSpPr>
+        <p:grpSpPr>
+          <a:xfrm>
+            <a:off x="17288172" y="1455028"/>
+            <a:ext cx="7396753" cy="4548851"/>
+            <a:chOff x="17288172" y="1455028"/>
+            <a:chExt cx="7396753" cy="4548851"/>
+          </a:xfrm>
+        </p:grpSpPr>
+        <p:pic>
+          <p:nvPicPr>
+            <p:cNvPr id="31" name="Picture 30">
+              <a:extLst>
+                <a:ext uri="{FF2B5EF4-FFF2-40B4-BE49-F238E27FC236}">
+                  <a16:creationId xmlns:a16="http://schemas.microsoft.com/office/drawing/2014/main" id="{3A545EA8-EFCB-A552-6569-08A662BD1D3C}"/>
+                </a:ext>
+              </a:extLst>
+            </p:cNvPr>
+            <p:cNvPicPr>
+              <a:picLocks noChangeAspect="1"/>
+            </p:cNvPicPr>
+            <p:nvPr/>
+          </p:nvPicPr>
+          <p:blipFill>
+            <a:blip r:embed="rId3"/>
+            <a:stretch>
+              <a:fillRect/>
+            </a:stretch>
+          </p:blipFill>
+          <p:spPr>
+            <a:xfrm>
+              <a:off x="21814725" y="2384819"/>
+              <a:ext cx="2870200" cy="2768600"/>
+            </a:xfrm>
+            <a:prstGeom prst="rect">
+              <a:avLst/>
+            </a:prstGeom>
+          </p:spPr>
+        </p:pic>
+        <p:sp>
+          <p:nvSpPr>
+            <p:cNvPr id="52" name="TextBox 51">
+              <a:extLst>
+                <a:ext uri="{FF2B5EF4-FFF2-40B4-BE49-F238E27FC236}">
+                  <a16:creationId xmlns:a16="http://schemas.microsoft.com/office/drawing/2014/main" id="{5A9DDAA7-E2E6-891D-2C97-5A49B633041D}"/>
+                </a:ext>
+              </a:extLst>
+            </p:cNvPr>
+            <p:cNvSpPr txBox="1">
+              <a:spLocks noChangeAspect="1"/>
+            </p:cNvSpPr>
+            <p:nvPr/>
+          </p:nvSpPr>
+          <p:spPr>
+            <a:xfrm>
+              <a:off x="18161868" y="1455028"/>
+              <a:ext cx="4752602" cy="4548851"/>
+            </a:xfrm>
+            <a:prstGeom prst="rect">
+              <a:avLst/>
+            </a:prstGeom>
+            <a:noFill/>
+            <a:ln w="57150">
+              <a:noFill/>
+            </a:ln>
+            <a:effectLst>
+              <a:glow rad="228600">
+                <a:schemeClr val="accent3">
+                  <a:satMod val="175000"/>
+                  <a:alpha val="40000"/>
+                </a:schemeClr>
+              </a:glow>
+              <a:outerShdw blurRad="50800" dist="38100" dir="2700000" algn="tl" rotWithShape="0">
+                <a:prstClr val="black">
+                  <a:alpha val="40000"/>
+                </a:prstClr>
+              </a:outerShdw>
+            </a:effectLst>
+          </p:spPr>
+          <p:txBody>
+            <a:bodyPr wrap="none" lIns="0" tIns="0" rIns="0" bIns="0" rtlCol="0">
+              <a:normAutofit/>
+            </a:bodyPr>
+            <a:lstStyle/>
+            <a:p>
+              <a:r>
+                <a:rPr lang="en-CN" sz="29172" b="1" i="1" kern="800" spc="-1404" dirty="0">
+                  <a:ln w="15875">
+                    <a:solidFill>
+                      <a:srgbClr val="0070C0"/>
+                    </a:solidFill>
+                  </a:ln>
+                  <a:solidFill>
+                    <a:srgbClr val="0070C0"/>
+                  </a:solidFill>
+                  <a:effectLst>
+                    <a:outerShdw blurRad="50800" dist="38100" dir="2700000" sx="109000" sy="109000" algn="ctr" rotWithShape="0">
+                      <a:srgbClr val="000000">
+                        <a:alpha val="43137"/>
+                      </a:srgbClr>
+                    </a:outerShdw>
+                  </a:effectLst>
+                  <a:latin typeface="Arial" panose="020B0604020202020204" pitchFamily="34" charset="0"/>
+                  <a:cs typeface="Arial" panose="020B0604020202020204" pitchFamily="34" charset="0"/>
+                </a:rPr>
+                <a:t>NL</a:t>
+              </a:r>
+              <a:endParaRPr lang="en-CN" sz="20209" b="1" i="1" kern="800" spc="-1404" dirty="0">
+                <a:ln w="15875">
+                  <a:solidFill>
+                    <a:srgbClr val="0070C0"/>
+                  </a:solidFill>
+                </a:ln>
+                <a:solidFill>
+                  <a:srgbClr val="0070C0"/>
+                </a:solidFill>
+                <a:effectLst>
+                  <a:outerShdw blurRad="50800" dist="38100" dir="2700000" sx="109000" sy="109000" algn="ctr" rotWithShape="0">
+                    <a:srgbClr val="000000">
+                      <a:alpha val="43137"/>
+                    </a:srgbClr>
+                  </a:outerShdw>
+                </a:effectLst>
+                <a:latin typeface="Arial" panose="020B0604020202020204" pitchFamily="34" charset="0"/>
+                <a:cs typeface="Arial" panose="020B0604020202020204" pitchFamily="34" charset="0"/>
+              </a:endParaRPr>
+            </a:p>
+          </p:txBody>
+        </p:sp>
+        <p:sp>
+          <p:nvSpPr>
+            <p:cNvPr id="21" name="Freeform 20">
+              <a:extLst>
+                <a:ext uri="{FF2B5EF4-FFF2-40B4-BE49-F238E27FC236}">
+                  <a16:creationId xmlns:a16="http://schemas.microsoft.com/office/drawing/2014/main" id="{41680FF2-2A12-12A5-0DF9-FAC44BE28719}"/>
+                </a:ext>
+              </a:extLst>
+            </p:cNvPr>
+            <p:cNvSpPr/>
+            <p:nvPr/>
+          </p:nvSpPr>
+          <p:spPr>
+            <a:xfrm>
+              <a:off x="17288172" y="2319505"/>
+              <a:ext cx="866274" cy="1453415"/>
+            </a:xfrm>
+            <a:custGeom>
+              <a:avLst/>
+              <a:gdLst>
+                <a:gd name="connsiteX0" fmla="*/ 0 w 866274"/>
+                <a:gd name="connsiteY0" fmla="*/ 0 h 1453415"/>
+                <a:gd name="connsiteX1" fmla="*/ 577516 w 866274"/>
+                <a:gd name="connsiteY1" fmla="*/ 0 h 1453415"/>
+                <a:gd name="connsiteX2" fmla="*/ 866274 w 866274"/>
+                <a:gd name="connsiteY2" fmla="*/ 1453415 h 1453415"/>
+                <a:gd name="connsiteX3" fmla="*/ 279133 w 866274"/>
+                <a:gd name="connsiteY3" fmla="*/ 1453415 h 1453415"/>
+                <a:gd name="connsiteX4" fmla="*/ 0 w 866274"/>
+                <a:gd name="connsiteY4" fmla="*/ 0 h 1453415"/>
+              </a:gdLst>
+              <a:ahLst/>
+              <a:cxnLst>
+                <a:cxn ang="0">
+                  <a:pos x="connsiteX0" y="connsiteY0"/>
+                </a:cxn>
+                <a:cxn ang="0">
+                  <a:pos x="connsiteX1" y="connsiteY1"/>
+                </a:cxn>
+                <a:cxn ang="0">
+                  <a:pos x="connsiteX2" y="connsiteY2"/>
+                </a:cxn>
+                <a:cxn ang="0">
+                  <a:pos x="connsiteX3" y="connsiteY3"/>
+                </a:cxn>
+                <a:cxn ang="0">
+                  <a:pos x="connsiteX4" y="connsiteY4"/>
+                </a:cxn>
+              </a:cxnLst>
+              <a:rect l="l" t="t" r="r" b="b"/>
+              <a:pathLst>
+                <a:path w="866274" h="1453415">
+                  <a:moveTo>
+                    <a:pt x="0" y="0"/>
+                  </a:moveTo>
+                  <a:lnTo>
+                    <a:pt x="577516" y="0"/>
+                  </a:lnTo>
+                  <a:lnTo>
+                    <a:pt x="866274" y="1453415"/>
+                  </a:lnTo>
+                  <a:lnTo>
+                    <a:pt x="279133" y="1453415"/>
+                  </a:lnTo>
+                  <a:lnTo>
+                    <a:pt x="0" y="0"/>
+                  </a:lnTo>
+                  <a:close/>
+                </a:path>
+              </a:pathLst>
+            </a:custGeom>
+            <a:solidFill>
+              <a:srgbClr val="FF0000"/>
+            </a:solidFill>
+            <a:ln>
+              <a:noFill/>
+            </a:ln>
+            <a:effectLst>
+              <a:outerShdw blurRad="137397" dist="49212" dir="8100000" sx="111000" sy="111000" algn="tr" rotWithShape="0">
+                <a:prstClr val="black">
+                  <a:alpha val="40000"/>
+                </a:prstClr>
+              </a:outerShdw>
+            </a:effectLst>
+          </p:spPr>
+          <p:style>
+            <a:lnRef idx="2">
+              <a:schemeClr val="accent1">
+                <a:shade val="15000"/>
+              </a:schemeClr>
+            </a:lnRef>
+            <a:fillRef idx="1">
+              <a:schemeClr val="accent1"/>
+            </a:fillRef>
+            <a:effectRef idx="0">
+              <a:schemeClr val="accent1"/>
+            </a:effectRef>
+            <a:fontRef idx="minor">
+              <a:schemeClr val="lt1"/>
+            </a:fontRef>
+          </p:style>
+          <p:txBody>
+            <a:bodyPr rtlCol="0" anchor="ctr"/>
+            <a:lstStyle/>
+            <a:p>
+              <a:pPr algn="ctr"/>
+              <a:endParaRPr lang="en-CN">
+                <a:effectLst>
+                  <a:glow rad="228600">
+                    <a:schemeClr val="accent2">
+                      <a:satMod val="175000"/>
+                      <a:alpha val="40000"/>
+                    </a:schemeClr>
+                  </a:glow>
+                  <a:outerShdw blurRad="50800" dist="38100" dir="10800000" algn="r" rotWithShape="0">
+                    <a:prstClr val="black">
+                      <a:alpha val="40000"/>
+                    </a:prstClr>
+                  </a:outerShdw>
+                </a:effectLst>
+              </a:endParaRPr>
+            </a:p>
+          </p:txBody>
+        </p:sp>
+      </p:grpSp>
     </p:spTree>
     <p:extLst>
       <p:ext uri="{BB962C8B-B14F-4D97-AF65-F5344CB8AC3E}">
-        <p14:creationId xmlns:p14="http://schemas.microsoft.com/office/powerpoint/2010/main" val="829312134"/>
+        <p14:creationId xmlns:p14="http://schemas.microsoft.com/office/powerpoint/2010/main" val="350347547"/>
       </p:ext>
     </p:extLst>
   </p:cSld>
@@ -4835,7 +4952,7 @@
 </p:sld>
 </file>
 
-<file path=ppt/slides/slide2.xml><?xml version="1.0" encoding="utf-8"?>
+<file path=ppt/slides/slide3.xml><?xml version="1.0" encoding="utf-8"?>
 <p:sld xmlns:a="http://schemas.openxmlformats.org/drawingml/2006/main" xmlns:r="http://schemas.openxmlformats.org/officeDocument/2006/relationships" xmlns:p="http://schemas.openxmlformats.org/presentationml/2006/main">
   <p:cSld>
     <p:spTree>

--- a/wnlo-logo.pptx
+++ b/wnlo-logo.pptx
@@ -199,7 +199,7 @@
           <a:p>
             <a:fld id="{B8E5C00B-BDC6-024B-9447-D3C057225367}" type="datetimeFigureOut">
               <a:rPr lang="en-CN" smtClean="0"/>
-              <a:t>2024/4/24</a:t>
+              <a:t>2025/2/13</a:t>
             </a:fld>
             <a:endParaRPr lang="en-CN"/>
           </a:p>
@@ -865,7 +865,7 @@
           <a:p>
             <a:fld id="{DEA9AB64-94FB-AC46-8AA7-C624D2F7419E}" type="datetimeFigureOut">
               <a:rPr lang="en-CN" smtClean="0"/>
-              <a:t>2024/4/24</a:t>
+              <a:t>2025/2/13</a:t>
             </a:fld>
             <a:endParaRPr lang="en-CN"/>
           </a:p>
@@ -1035,7 +1035,7 @@
           <a:p>
             <a:fld id="{DEA9AB64-94FB-AC46-8AA7-C624D2F7419E}" type="datetimeFigureOut">
               <a:rPr lang="en-CN" smtClean="0"/>
-              <a:t>2024/4/24</a:t>
+              <a:t>2025/2/13</a:t>
             </a:fld>
             <a:endParaRPr lang="en-CN"/>
           </a:p>
@@ -1215,7 +1215,7 @@
           <a:p>
             <a:fld id="{DEA9AB64-94FB-AC46-8AA7-C624D2F7419E}" type="datetimeFigureOut">
               <a:rPr lang="en-CN" smtClean="0"/>
-              <a:t>2024/4/24</a:t>
+              <a:t>2025/2/13</a:t>
             </a:fld>
             <a:endParaRPr lang="en-CN"/>
           </a:p>
@@ -1385,7 +1385,7 @@
           <a:p>
             <a:fld id="{DEA9AB64-94FB-AC46-8AA7-C624D2F7419E}" type="datetimeFigureOut">
               <a:rPr lang="en-CN" smtClean="0"/>
-              <a:t>2024/4/24</a:t>
+              <a:t>2025/2/13</a:t>
             </a:fld>
             <a:endParaRPr lang="en-CN"/>
           </a:p>
@@ -1629,7 +1629,7 @@
           <a:p>
             <a:fld id="{DEA9AB64-94FB-AC46-8AA7-C624D2F7419E}" type="datetimeFigureOut">
               <a:rPr lang="en-CN" smtClean="0"/>
-              <a:t>2024/4/24</a:t>
+              <a:t>2025/2/13</a:t>
             </a:fld>
             <a:endParaRPr lang="en-CN"/>
           </a:p>
@@ -1861,7 +1861,7 @@
           <a:p>
             <a:fld id="{DEA9AB64-94FB-AC46-8AA7-C624D2F7419E}" type="datetimeFigureOut">
               <a:rPr lang="en-CN" smtClean="0"/>
-              <a:t>2024/4/24</a:t>
+              <a:t>2025/2/13</a:t>
             </a:fld>
             <a:endParaRPr lang="en-CN"/>
           </a:p>
@@ -2228,7 +2228,7 @@
           <a:p>
             <a:fld id="{DEA9AB64-94FB-AC46-8AA7-C624D2F7419E}" type="datetimeFigureOut">
               <a:rPr lang="en-CN" smtClean="0"/>
-              <a:t>2024/4/24</a:t>
+              <a:t>2025/2/13</a:t>
             </a:fld>
             <a:endParaRPr lang="en-CN"/>
           </a:p>
@@ -2346,7 +2346,7 @@
           <a:p>
             <a:fld id="{DEA9AB64-94FB-AC46-8AA7-C624D2F7419E}" type="datetimeFigureOut">
               <a:rPr lang="en-CN" smtClean="0"/>
-              <a:t>2024/4/24</a:t>
+              <a:t>2025/2/13</a:t>
             </a:fld>
             <a:endParaRPr lang="en-CN"/>
           </a:p>
@@ -2441,7 +2441,7 @@
           <a:p>
             <a:fld id="{DEA9AB64-94FB-AC46-8AA7-C624D2F7419E}" type="datetimeFigureOut">
               <a:rPr lang="en-CN" smtClean="0"/>
-              <a:t>2024/4/24</a:t>
+              <a:t>2025/2/13</a:t>
             </a:fld>
             <a:endParaRPr lang="en-CN"/>
           </a:p>
@@ -2718,7 +2718,7 @@
           <a:p>
             <a:fld id="{DEA9AB64-94FB-AC46-8AA7-C624D2F7419E}" type="datetimeFigureOut">
               <a:rPr lang="en-CN" smtClean="0"/>
-              <a:t>2024/4/24</a:t>
+              <a:t>2025/2/13</a:t>
             </a:fld>
             <a:endParaRPr lang="en-CN"/>
           </a:p>
@@ -2975,7 +2975,7 @@
           <a:p>
             <a:fld id="{DEA9AB64-94FB-AC46-8AA7-C624D2F7419E}" type="datetimeFigureOut">
               <a:rPr lang="en-CN" smtClean="0"/>
-              <a:t>2024/4/24</a:t>
+              <a:t>2025/2/13</a:t>
             </a:fld>
             <a:endParaRPr lang="en-CN"/>
           </a:p>
@@ -3188,7 +3188,7 @@
           <a:p>
             <a:fld id="{DEA9AB64-94FB-AC46-8AA7-C624D2F7419E}" type="datetimeFigureOut">
               <a:rPr lang="en-CN" smtClean="0"/>
-              <a:t>2024/4/24</a:t>
+              <a:t>2025/2/13</a:t>
             </a:fld>
             <a:endParaRPr lang="en-CN"/>
           </a:p>
@@ -3780,7 +3780,7 @@
         </p:nvSpPr>
         <p:spPr>
           <a:xfrm>
-            <a:off x="12281583" y="17780637"/>
+            <a:off x="12265173" y="17953230"/>
             <a:ext cx="18625901" cy="3000821"/>
           </a:xfrm>
           <a:prstGeom prst="rect">
@@ -3809,7 +3809,7 @@
           <a:p>
             <a:pPr algn="dist"/>
             <a:r>
-              <a:rPr lang="en-US" sz="4400" b="1" dirty="0">
+              <a:rPr lang="en-US" sz="4400" dirty="0">
                 <a:ln w="34925">
                   <a:solidFill>
                     <a:schemeClr val="accent1"/>
@@ -3884,7 +3884,7 @@
         <p:spPr>
           <a:xfrm>
             <a:off x="14051279" y="22258221"/>
-            <a:ext cx="14954473" cy="3000821"/>
+            <a:ext cx="14954473" cy="3062377"/>
           </a:xfrm>
           <a:prstGeom prst="rect">
             <a:avLst/>
@@ -3912,7 +3912,7 @@
           <a:p>
             <a:pPr algn="dist"/>
             <a:r>
-              <a:rPr lang="en-US" sz="4400" b="1" dirty="0">
+              <a:rPr lang="en-US" sz="4800" dirty="0">
                 <a:ln w="34925">
                   <a:solidFill>
                     <a:schemeClr val="accent1"/>
@@ -4969,34 +4969,224 @@
           <a:chExt cx="0" cy="0"/>
         </a:xfrm>
       </p:grpSpPr>
-      <p:grpSp>
-        <p:nvGrpSpPr>
-          <p:cNvPr id="2" name="Group 1">
+      <p:sp>
+        <p:nvSpPr>
+          <p:cNvPr id="3" name="Donut 2">
             <a:extLst>
               <a:ext uri="{FF2B5EF4-FFF2-40B4-BE49-F238E27FC236}">
-                <a16:creationId xmlns:a16="http://schemas.microsoft.com/office/drawing/2014/main" id="{93AA2EE5-C0E0-3DA9-6F6A-FCBB4E3C0EA2}"/>
+                <a16:creationId xmlns:a16="http://schemas.microsoft.com/office/drawing/2014/main" id="{22BD2AEF-871A-A699-5A32-6BE355142221}"/>
               </a:ext>
             </a:extLst>
           </p:cNvPr>
-          <p:cNvGrpSpPr>
-            <a:grpSpLocks noChangeAspect="1"/>
-          </p:cNvGrpSpPr>
+          <p:cNvSpPr/>
+          <p:nvPr/>
+        </p:nvSpPr>
+        <p:spPr>
+          <a:xfrm>
+            <a:off x="11967972" y="3102086"/>
+            <a:ext cx="2819329" cy="2709595"/>
+          </a:xfrm>
+          <a:prstGeom prst="donut">
+            <a:avLst>
+              <a:gd name="adj" fmla="val 18672"/>
+            </a:avLst>
+          </a:prstGeom>
+          <a:solidFill>
+            <a:srgbClr val="0070C0"/>
+          </a:solidFill>
+          <a:ln w="57150">
+            <a:noFill/>
+          </a:ln>
+          <a:effectLst>
+            <a:outerShdw blurRad="50800" dist="38100" dir="2700000" sx="103000" sy="103000" algn="tl" rotWithShape="0">
+              <a:prstClr val="black">
+                <a:alpha val="40000"/>
+              </a:prstClr>
+            </a:outerShdw>
+          </a:effectLst>
+        </p:spPr>
+        <p:style>
+          <a:lnRef idx="2">
+            <a:schemeClr val="accent1">
+              <a:shade val="15000"/>
+            </a:schemeClr>
+          </a:lnRef>
+          <a:fillRef idx="1">
+            <a:schemeClr val="accent1"/>
+          </a:fillRef>
+          <a:effectRef idx="0">
+            <a:schemeClr val="accent1"/>
+          </a:effectRef>
+          <a:fontRef idx="minor">
+            <a:schemeClr val="lt1"/>
+          </a:fontRef>
+        </p:style>
+        <p:txBody>
+          <a:bodyPr rtlCol="0" anchor="ctr"/>
+          <a:lstStyle/>
+          <a:p>
+            <a:pPr algn="ctr"/>
+            <a:endParaRPr lang="en-CN" sz="3164" b="1">
+              <a:ln w="12700">
+                <a:solidFill>
+                  <a:schemeClr val="tx2">
+                    <a:lumMod val="75000"/>
+                  </a:schemeClr>
+                </a:solidFill>
+                <a:prstDash val="solid"/>
+              </a:ln>
+              <a:solidFill>
+                <a:srgbClr val="0070C0"/>
+              </a:solidFill>
+              <a:effectLst>
+                <a:outerShdw dist="38100" dir="2640000" algn="bl" rotWithShape="0">
+                  <a:schemeClr val="tx2">
+                    <a:lumMod val="75000"/>
+                  </a:schemeClr>
+                </a:outerShdw>
+              </a:effectLst>
+            </a:endParaRPr>
+          </a:p>
+        </p:txBody>
+      </p:sp>
+      <p:sp>
+        <p:nvSpPr>
+          <p:cNvPr id="4" name="TextBox 3">
+            <a:extLst>
+              <a:ext uri="{FF2B5EF4-FFF2-40B4-BE49-F238E27FC236}">
+                <a16:creationId xmlns:a16="http://schemas.microsoft.com/office/drawing/2014/main" id="{3090914C-5667-5FA0-CAA5-B7A7E7DA4E6F}"/>
+              </a:ext>
+            </a:extLst>
+          </p:cNvPr>
+          <p:cNvSpPr txBox="1"/>
+          <p:nvPr/>
+        </p:nvSpPr>
+        <p:spPr>
+          <a:xfrm>
+            <a:off x="7734654" y="2193537"/>
+            <a:ext cx="3448255" cy="4581575"/>
+          </a:xfrm>
+          <a:prstGeom prst="rect">
+            <a:avLst/>
+          </a:prstGeom>
+          <a:noFill/>
+        </p:spPr>
+        <p:txBody>
+          <a:bodyPr wrap="square" rtlCol="0">
+            <a:spAutoFit/>
+          </a:bodyPr>
+          <a:lstStyle/>
+          <a:p>
+            <a:r>
+              <a:rPr lang="en-CN" sz="29172" b="1" dirty="0">
+                <a:ln w="15875">
+                  <a:solidFill>
+                    <a:srgbClr val="FF0000"/>
+                  </a:solidFill>
+                </a:ln>
+                <a:solidFill>
+                  <a:srgbClr val="FF0000"/>
+                </a:solidFill>
+                <a:effectLst>
+                  <a:outerShdw blurRad="50800" dist="38100" dir="2700000" sx="106000" sy="106000" algn="ctr" rotWithShape="0">
+                    <a:srgbClr val="000000">
+                      <a:alpha val="43137"/>
+                    </a:srgbClr>
+                  </a:outerShdw>
+                </a:effectLst>
+                <a:latin typeface="Arial" panose="020B0604020202020204" pitchFamily="34" charset="0"/>
+                <a:cs typeface="Arial" panose="020B0604020202020204" pitchFamily="34" charset="0"/>
+              </a:rPr>
+              <a:t>W</a:t>
+            </a:r>
+          </a:p>
+        </p:txBody>
+      </p:sp>
+      <p:sp>
+        <p:nvSpPr>
+          <p:cNvPr id="5" name="Rectangle 4">
+            <a:extLst>
+              <a:ext uri="{FF2B5EF4-FFF2-40B4-BE49-F238E27FC236}">
+                <a16:creationId xmlns:a16="http://schemas.microsoft.com/office/drawing/2014/main" id="{E3E19ADE-1ACB-4EB0-2D54-112015C2FCFB}"/>
+              </a:ext>
+            </a:extLst>
+          </p:cNvPr>
+          <p:cNvSpPr/>
+          <p:nvPr/>
+        </p:nvSpPr>
+        <p:spPr>
+          <a:xfrm>
+            <a:off x="7734654" y="4417423"/>
+            <a:ext cx="3904800" cy="1776499"/>
+          </a:xfrm>
+          <a:prstGeom prst="rect">
+            <a:avLst/>
+          </a:prstGeom>
+          <a:solidFill>
+            <a:schemeClr val="bg1"/>
+          </a:solidFill>
+          <a:ln>
+            <a:noFill/>
+          </a:ln>
+        </p:spPr>
+        <p:style>
+          <a:lnRef idx="2">
+            <a:schemeClr val="accent1">
+              <a:shade val="15000"/>
+            </a:schemeClr>
+          </a:lnRef>
+          <a:fillRef idx="1">
+            <a:schemeClr val="accent1"/>
+          </a:fillRef>
+          <a:effectRef idx="0">
+            <a:schemeClr val="accent1"/>
+          </a:effectRef>
+          <a:fontRef idx="minor">
+            <a:schemeClr val="lt1"/>
+          </a:fontRef>
+        </p:style>
+        <p:txBody>
+          <a:bodyPr rtlCol="0" anchor="ctr"/>
+          <a:lstStyle/>
+          <a:p>
+            <a:pPr algn="ctr"/>
+            <a:endParaRPr lang="en-CN" sz="3164"/>
+          </a:p>
+        </p:txBody>
+      </p:sp>
+      <p:grpSp>
+        <p:nvGrpSpPr>
+          <p:cNvPr id="6" name="Group 5">
+            <a:extLst>
+              <a:ext uri="{FF2B5EF4-FFF2-40B4-BE49-F238E27FC236}">
+                <a16:creationId xmlns:a16="http://schemas.microsoft.com/office/drawing/2014/main" id="{B970AD34-7409-43B7-A434-5AC1619A2812}"/>
+              </a:ext>
+            </a:extLst>
+          </p:cNvPr>
+          <p:cNvGrpSpPr/>
           <p:nvPr/>
         </p:nvGrpSpPr>
         <p:grpSpPr>
           <a:xfrm>
-            <a:off x="7734654" y="2092133"/>
-            <a:ext cx="7941634" cy="4584123"/>
-            <a:chOff x="2322436" y="4100777"/>
-            <a:chExt cx="4524930" cy="2611914"/>
+            <a:off x="12009197" y="3079797"/>
+            <a:ext cx="3667091" cy="2735292"/>
+            <a:chOff x="4757956" y="4663522"/>
+            <a:chExt cx="2089410" cy="1558498"/>
           </a:xfrm>
+          <a:effectLst>
+            <a:outerShdw blurRad="50800" dist="50800" dir="5400000" algn="ctr" rotWithShape="0">
+              <a:srgbClr val="000000">
+                <a:alpha val="0"/>
+              </a:srgbClr>
+            </a:outerShdw>
+          </a:effectLst>
         </p:grpSpPr>
         <p:sp>
           <p:nvSpPr>
-            <p:cNvPr id="3" name="Donut 2">
+            <p:cNvPr id="9" name="Rectangle 8">
               <a:extLst>
                 <a:ext uri="{FF2B5EF4-FFF2-40B4-BE49-F238E27FC236}">
-                  <a16:creationId xmlns:a16="http://schemas.microsoft.com/office/drawing/2014/main" id="{22BD2AEF-871A-A699-5A32-6BE355142221}"/>
+                  <a16:creationId xmlns:a16="http://schemas.microsoft.com/office/drawing/2014/main" id="{7A8AB36A-CF3C-CB1E-6410-29429CB3CB5F}"/>
                 </a:ext>
               </a:extLst>
             </p:cNvPr>
@@ -5005,897 +5195,8 @@
           </p:nvSpPr>
           <p:spPr>
             <a:xfrm>
-              <a:off x="4734467" y="4676222"/>
-              <a:ext cx="1606378" cy="1543857"/>
-            </a:xfrm>
-            <a:prstGeom prst="donut">
-              <a:avLst>
-                <a:gd name="adj" fmla="val 18672"/>
-              </a:avLst>
-            </a:prstGeom>
-            <a:solidFill>
-              <a:srgbClr val="0070C0"/>
-            </a:solidFill>
-            <a:ln w="57150">
-              <a:noFill/>
-            </a:ln>
-            <a:effectLst>
-              <a:outerShdw blurRad="50800" dist="38100" dir="2700000" sx="103000" sy="103000" algn="tl" rotWithShape="0">
-                <a:prstClr val="black">
-                  <a:alpha val="40000"/>
-                </a:prstClr>
-              </a:outerShdw>
-            </a:effectLst>
-          </p:spPr>
-          <p:style>
-            <a:lnRef idx="2">
-              <a:schemeClr val="accent1">
-                <a:shade val="15000"/>
-              </a:schemeClr>
-            </a:lnRef>
-            <a:fillRef idx="1">
-              <a:schemeClr val="accent1"/>
-            </a:fillRef>
-            <a:effectRef idx="0">
-              <a:schemeClr val="accent1"/>
-            </a:effectRef>
-            <a:fontRef idx="minor">
-              <a:schemeClr val="lt1"/>
-            </a:fontRef>
-          </p:style>
-          <p:txBody>
-            <a:bodyPr rtlCol="0" anchor="ctr"/>
-            <a:lstStyle/>
-            <a:p>
-              <a:pPr algn="ctr"/>
-              <a:endParaRPr lang="en-CN" sz="3164" b="1">
-                <a:ln w="12700">
-                  <a:solidFill>
-                    <a:schemeClr val="tx2">
-                      <a:lumMod val="75000"/>
-                    </a:schemeClr>
-                  </a:solidFill>
-                  <a:prstDash val="solid"/>
-                </a:ln>
-                <a:solidFill>
-                  <a:srgbClr val="0070C0"/>
-                </a:solidFill>
-                <a:effectLst>
-                  <a:outerShdw dist="38100" dir="2640000" algn="bl" rotWithShape="0">
-                    <a:schemeClr val="tx2">
-                      <a:lumMod val="75000"/>
-                    </a:schemeClr>
-                  </a:outerShdw>
-                </a:effectLst>
-              </a:endParaRPr>
-            </a:p>
-          </p:txBody>
-        </p:sp>
-        <p:sp>
-          <p:nvSpPr>
-            <p:cNvPr id="4" name="TextBox 3">
-              <a:extLst>
-                <a:ext uri="{FF2B5EF4-FFF2-40B4-BE49-F238E27FC236}">
-                  <a16:creationId xmlns:a16="http://schemas.microsoft.com/office/drawing/2014/main" id="{3090914C-5667-5FA0-CAA5-B7A7E7DA4E6F}"/>
-                </a:ext>
-              </a:extLst>
-            </p:cNvPr>
-            <p:cNvSpPr txBox="1"/>
-            <p:nvPr/>
-          </p:nvSpPr>
-          <p:spPr>
-            <a:xfrm>
-              <a:off x="2322436" y="4102229"/>
-              <a:ext cx="1964723" cy="2610462"/>
-            </a:xfrm>
-            <a:prstGeom prst="rect">
-              <a:avLst/>
-            </a:prstGeom>
-            <a:noFill/>
-          </p:spPr>
-          <p:txBody>
-            <a:bodyPr wrap="square" rtlCol="0">
-              <a:spAutoFit/>
-            </a:bodyPr>
-            <a:lstStyle/>
-            <a:p>
-              <a:r>
-                <a:rPr lang="en-CN" sz="29172" b="1" dirty="0">
-                  <a:ln w="15875">
-                    <a:solidFill>
-                      <a:srgbClr val="FF0000"/>
-                    </a:solidFill>
-                  </a:ln>
-                  <a:solidFill>
-                    <a:srgbClr val="FF0000"/>
-                  </a:solidFill>
-                  <a:effectLst>
-                    <a:outerShdw blurRad="50800" dist="38100" dir="2700000" sx="106000" sy="106000" algn="ctr" rotWithShape="0">
-                      <a:srgbClr val="000000">
-                        <a:alpha val="43137"/>
-                      </a:srgbClr>
-                    </a:outerShdw>
-                  </a:effectLst>
-                  <a:latin typeface="Arial" panose="020B0604020202020204" pitchFamily="34" charset="0"/>
-                  <a:cs typeface="Arial" panose="020B0604020202020204" pitchFamily="34" charset="0"/>
-                </a:rPr>
-                <a:t>W</a:t>
-              </a:r>
-            </a:p>
-          </p:txBody>
-        </p:sp>
-        <p:sp>
-          <p:nvSpPr>
-            <p:cNvPr id="5" name="Rectangle 4">
-              <a:extLst>
-                <a:ext uri="{FF2B5EF4-FFF2-40B4-BE49-F238E27FC236}">
-                  <a16:creationId xmlns:a16="http://schemas.microsoft.com/office/drawing/2014/main" id="{E3E19ADE-1ACB-4EB0-2D54-112015C2FCFB}"/>
-                </a:ext>
-              </a:extLst>
-            </p:cNvPr>
-            <p:cNvSpPr/>
-            <p:nvPr/>
-          </p:nvSpPr>
-          <p:spPr>
-            <a:xfrm>
-              <a:off x="2322436" y="5425667"/>
-              <a:ext cx="2224850" cy="1012203"/>
-            </a:xfrm>
-            <a:prstGeom prst="rect">
-              <a:avLst/>
-            </a:prstGeom>
-            <a:solidFill>
-              <a:schemeClr val="bg1"/>
-            </a:solidFill>
-            <a:ln>
-              <a:noFill/>
-            </a:ln>
-          </p:spPr>
-          <p:style>
-            <a:lnRef idx="2">
-              <a:schemeClr val="accent1">
-                <a:shade val="15000"/>
-              </a:schemeClr>
-            </a:lnRef>
-            <a:fillRef idx="1">
-              <a:schemeClr val="accent1"/>
-            </a:fillRef>
-            <a:effectRef idx="0">
-              <a:schemeClr val="accent1"/>
-            </a:effectRef>
-            <a:fontRef idx="minor">
-              <a:schemeClr val="lt1"/>
-            </a:fontRef>
-          </p:style>
-          <p:txBody>
-            <a:bodyPr rtlCol="0" anchor="ctr"/>
-            <a:lstStyle/>
-            <a:p>
-              <a:pPr algn="ctr"/>
-              <a:endParaRPr lang="en-CN" sz="3164"/>
-            </a:p>
-          </p:txBody>
-        </p:sp>
-        <p:grpSp>
-          <p:nvGrpSpPr>
-            <p:cNvPr id="6" name="Group 5">
-              <a:extLst>
-                <a:ext uri="{FF2B5EF4-FFF2-40B4-BE49-F238E27FC236}">
-                  <a16:creationId xmlns:a16="http://schemas.microsoft.com/office/drawing/2014/main" id="{B970AD34-7409-43B7-A434-5AC1619A2812}"/>
-                </a:ext>
-              </a:extLst>
-            </p:cNvPr>
-            <p:cNvGrpSpPr/>
-            <p:nvPr/>
-          </p:nvGrpSpPr>
-          <p:grpSpPr>
-            <a:xfrm>
               <a:off x="4757956" y="4663522"/>
-              <a:ext cx="2089410" cy="1558498"/>
-              <a:chOff x="4757956" y="4663522"/>
-              <a:chExt cx="2089410" cy="1558498"/>
-            </a:xfrm>
-            <a:effectLst>
-              <a:outerShdw blurRad="50800" dist="50800" dir="5400000" algn="ctr" rotWithShape="0">
-                <a:srgbClr val="000000">
-                  <a:alpha val="0"/>
-                </a:srgbClr>
-              </a:outerShdw>
-            </a:effectLst>
-          </p:grpSpPr>
-          <p:sp>
-            <p:nvSpPr>
-              <p:cNvPr id="9" name="Rectangle 8">
-                <a:extLst>
-                  <a:ext uri="{FF2B5EF4-FFF2-40B4-BE49-F238E27FC236}">
-                    <a16:creationId xmlns:a16="http://schemas.microsoft.com/office/drawing/2014/main" id="{7A8AB36A-CF3C-CB1E-6410-29429CB3CB5F}"/>
-                  </a:ext>
-                </a:extLst>
-              </p:cNvPr>
-              <p:cNvSpPr/>
-              <p:nvPr/>
-            </p:nvSpPr>
-            <p:spPr>
-              <a:xfrm>
-                <a:off x="4757956" y="4663522"/>
-                <a:ext cx="2089410" cy="36000"/>
-              </a:xfrm>
-              <a:prstGeom prst="rect">
-                <a:avLst/>
-              </a:prstGeom>
-              <a:solidFill>
-                <a:schemeClr val="bg1"/>
-              </a:solidFill>
-              <a:ln>
-                <a:noFill/>
-              </a:ln>
-            </p:spPr>
-            <p:style>
-              <a:lnRef idx="2">
-                <a:schemeClr val="accent1">
-                  <a:shade val="15000"/>
-                </a:schemeClr>
-              </a:lnRef>
-              <a:fillRef idx="1">
-                <a:schemeClr val="accent1"/>
-              </a:fillRef>
-              <a:effectRef idx="0">
-                <a:schemeClr val="accent1"/>
-              </a:effectRef>
-              <a:fontRef idx="minor">
-                <a:schemeClr val="lt1"/>
-              </a:fontRef>
-            </p:style>
-            <p:txBody>
-              <a:bodyPr rtlCol="0" anchor="ctr"/>
-              <a:lstStyle/>
-              <a:p>
-                <a:pPr algn="ctr"/>
-                <a:endParaRPr lang="en-CN" sz="3164"/>
-              </a:p>
-            </p:txBody>
-          </p:sp>
-          <p:sp>
-            <p:nvSpPr>
-              <p:cNvPr id="10" name="Rectangle 9">
-                <a:extLst>
-                  <a:ext uri="{FF2B5EF4-FFF2-40B4-BE49-F238E27FC236}">
-                    <a16:creationId xmlns:a16="http://schemas.microsoft.com/office/drawing/2014/main" id="{BFFE86B8-8D64-9AA0-C357-F4303E0F3C14}"/>
-                  </a:ext>
-                </a:extLst>
-              </p:cNvPr>
-              <p:cNvSpPr/>
-              <p:nvPr/>
-            </p:nvSpPr>
-            <p:spPr>
-              <a:xfrm>
-                <a:off x="4757956" y="4917272"/>
-                <a:ext cx="2089410" cy="36000"/>
-              </a:xfrm>
-              <a:prstGeom prst="rect">
-                <a:avLst/>
-              </a:prstGeom>
-              <a:solidFill>
-                <a:schemeClr val="bg1"/>
-              </a:solidFill>
-              <a:ln>
-                <a:noFill/>
-              </a:ln>
-            </p:spPr>
-            <p:style>
-              <a:lnRef idx="2">
-                <a:schemeClr val="accent1">
-                  <a:shade val="15000"/>
-                </a:schemeClr>
-              </a:lnRef>
-              <a:fillRef idx="1">
-                <a:schemeClr val="accent1"/>
-              </a:fillRef>
-              <a:effectRef idx="0">
-                <a:schemeClr val="accent1"/>
-              </a:effectRef>
-              <a:fontRef idx="minor">
-                <a:schemeClr val="lt1"/>
-              </a:fontRef>
-            </p:style>
-            <p:txBody>
-              <a:bodyPr rtlCol="0" anchor="ctr"/>
-              <a:lstStyle/>
-              <a:p>
-                <a:pPr algn="ctr"/>
-                <a:endParaRPr lang="en-CN" sz="3164"/>
-              </a:p>
-            </p:txBody>
-          </p:sp>
-          <p:sp>
-            <p:nvSpPr>
-              <p:cNvPr id="11" name="Rectangle 10">
-                <a:extLst>
-                  <a:ext uri="{FF2B5EF4-FFF2-40B4-BE49-F238E27FC236}">
-                    <a16:creationId xmlns:a16="http://schemas.microsoft.com/office/drawing/2014/main" id="{3307F8A8-D22A-D4C4-F598-BE9DA859A27E}"/>
-                  </a:ext>
-                </a:extLst>
-              </p:cNvPr>
-              <p:cNvSpPr/>
-              <p:nvPr/>
-            </p:nvSpPr>
-            <p:spPr>
-              <a:xfrm>
-                <a:off x="4757956" y="5171022"/>
-                <a:ext cx="2089410" cy="36000"/>
-              </a:xfrm>
-              <a:prstGeom prst="rect">
-                <a:avLst/>
-              </a:prstGeom>
-              <a:solidFill>
-                <a:schemeClr val="bg1"/>
-              </a:solidFill>
-              <a:ln>
-                <a:noFill/>
-              </a:ln>
-            </p:spPr>
-            <p:style>
-              <a:lnRef idx="2">
-                <a:schemeClr val="accent1">
-                  <a:shade val="15000"/>
-                </a:schemeClr>
-              </a:lnRef>
-              <a:fillRef idx="1">
-                <a:schemeClr val="accent1"/>
-              </a:fillRef>
-              <a:effectRef idx="0">
-                <a:schemeClr val="accent1"/>
-              </a:effectRef>
-              <a:fontRef idx="minor">
-                <a:schemeClr val="lt1"/>
-              </a:fontRef>
-            </p:style>
-            <p:txBody>
-              <a:bodyPr rtlCol="0" anchor="ctr"/>
-              <a:lstStyle/>
-              <a:p>
-                <a:pPr algn="ctr"/>
-                <a:endParaRPr lang="en-CN" sz="3164"/>
-              </a:p>
-            </p:txBody>
-          </p:sp>
-          <p:sp>
-            <p:nvSpPr>
-              <p:cNvPr id="12" name="Rectangle 11">
-                <a:extLst>
-                  <a:ext uri="{FF2B5EF4-FFF2-40B4-BE49-F238E27FC236}">
-                    <a16:creationId xmlns:a16="http://schemas.microsoft.com/office/drawing/2014/main" id="{9125D6E6-69EF-6A43-6194-BBE873AF4B4B}"/>
-                  </a:ext>
-                </a:extLst>
-              </p:cNvPr>
-              <p:cNvSpPr/>
-              <p:nvPr/>
-            </p:nvSpPr>
-            <p:spPr>
-              <a:xfrm>
-                <a:off x="4757956" y="5424772"/>
-                <a:ext cx="2089410" cy="36000"/>
-              </a:xfrm>
-              <a:prstGeom prst="rect">
-                <a:avLst/>
-              </a:prstGeom>
-              <a:solidFill>
-                <a:schemeClr val="bg1"/>
-              </a:solidFill>
-              <a:ln>
-                <a:noFill/>
-              </a:ln>
-            </p:spPr>
-            <p:style>
-              <a:lnRef idx="2">
-                <a:schemeClr val="accent1">
-                  <a:shade val="15000"/>
-                </a:schemeClr>
-              </a:lnRef>
-              <a:fillRef idx="1">
-                <a:schemeClr val="accent1"/>
-              </a:fillRef>
-              <a:effectRef idx="0">
-                <a:schemeClr val="accent1"/>
-              </a:effectRef>
-              <a:fontRef idx="minor">
-                <a:schemeClr val="lt1"/>
-              </a:fontRef>
-            </p:style>
-            <p:txBody>
-              <a:bodyPr rtlCol="0" anchor="ctr"/>
-              <a:lstStyle/>
-              <a:p>
-                <a:pPr algn="ctr"/>
-                <a:endParaRPr lang="en-CN" sz="3164"/>
-              </a:p>
-            </p:txBody>
-          </p:sp>
-          <p:sp>
-            <p:nvSpPr>
-              <p:cNvPr id="13" name="Rectangle 12">
-                <a:extLst>
-                  <a:ext uri="{FF2B5EF4-FFF2-40B4-BE49-F238E27FC236}">
-                    <a16:creationId xmlns:a16="http://schemas.microsoft.com/office/drawing/2014/main" id="{8BC20FB2-7259-03F0-786F-E19DDA76C7BD}"/>
-                  </a:ext>
-                </a:extLst>
-              </p:cNvPr>
-              <p:cNvSpPr/>
-              <p:nvPr/>
-            </p:nvSpPr>
-            <p:spPr>
-              <a:xfrm>
-                <a:off x="4757956" y="5678522"/>
-                <a:ext cx="2089410" cy="36000"/>
-              </a:xfrm>
-              <a:prstGeom prst="rect">
-                <a:avLst/>
-              </a:prstGeom>
-              <a:solidFill>
-                <a:schemeClr val="bg1"/>
-              </a:solidFill>
-              <a:ln>
-                <a:noFill/>
-              </a:ln>
-            </p:spPr>
-            <p:style>
-              <a:lnRef idx="2">
-                <a:schemeClr val="accent1">
-                  <a:shade val="15000"/>
-                </a:schemeClr>
-              </a:lnRef>
-              <a:fillRef idx="1">
-                <a:schemeClr val="accent1"/>
-              </a:fillRef>
-              <a:effectRef idx="0">
-                <a:schemeClr val="accent1"/>
-              </a:effectRef>
-              <a:fontRef idx="minor">
-                <a:schemeClr val="lt1"/>
-              </a:fontRef>
-            </p:style>
-            <p:txBody>
-              <a:bodyPr rtlCol="0" anchor="ctr"/>
-              <a:lstStyle/>
-              <a:p>
-                <a:pPr algn="ctr"/>
-                <a:endParaRPr lang="en-CN" sz="3164"/>
-              </a:p>
-            </p:txBody>
-          </p:sp>
-          <p:sp>
-            <p:nvSpPr>
-              <p:cNvPr id="14" name="Rectangle 13">
-                <a:extLst>
-                  <a:ext uri="{FF2B5EF4-FFF2-40B4-BE49-F238E27FC236}">
-                    <a16:creationId xmlns:a16="http://schemas.microsoft.com/office/drawing/2014/main" id="{FCE8B684-3D86-BB75-968D-2C8972B45147}"/>
-                  </a:ext>
-                </a:extLst>
-              </p:cNvPr>
-              <p:cNvSpPr/>
-              <p:nvPr/>
-            </p:nvSpPr>
-            <p:spPr>
-              <a:xfrm>
-                <a:off x="4757956" y="5932272"/>
-                <a:ext cx="2089410" cy="36000"/>
-              </a:xfrm>
-              <a:prstGeom prst="rect">
-                <a:avLst/>
-              </a:prstGeom>
-              <a:solidFill>
-                <a:schemeClr val="bg1"/>
-              </a:solidFill>
-              <a:ln>
-                <a:noFill/>
-              </a:ln>
-            </p:spPr>
-            <p:style>
-              <a:lnRef idx="2">
-                <a:schemeClr val="accent1">
-                  <a:shade val="15000"/>
-                </a:schemeClr>
-              </a:lnRef>
-              <a:fillRef idx="1">
-                <a:schemeClr val="accent1"/>
-              </a:fillRef>
-              <a:effectRef idx="0">
-                <a:schemeClr val="accent1"/>
-              </a:effectRef>
-              <a:fontRef idx="minor">
-                <a:schemeClr val="lt1"/>
-              </a:fontRef>
-            </p:style>
-            <p:txBody>
-              <a:bodyPr rtlCol="0" anchor="ctr"/>
-              <a:lstStyle/>
-              <a:p>
-                <a:pPr algn="ctr"/>
-                <a:endParaRPr lang="en-CN" sz="3164"/>
-              </a:p>
-            </p:txBody>
-          </p:sp>
-          <p:sp>
-            <p:nvSpPr>
-              <p:cNvPr id="15" name="Rectangle 14">
-                <a:extLst>
-                  <a:ext uri="{FF2B5EF4-FFF2-40B4-BE49-F238E27FC236}">
-                    <a16:creationId xmlns:a16="http://schemas.microsoft.com/office/drawing/2014/main" id="{F55B015F-E6AB-B8D9-612F-472FDDF2B4DA}"/>
-                  </a:ext>
-                </a:extLst>
-              </p:cNvPr>
-              <p:cNvSpPr/>
-              <p:nvPr/>
-            </p:nvSpPr>
-            <p:spPr>
-              <a:xfrm>
-                <a:off x="4757956" y="4790397"/>
-                <a:ext cx="2089410" cy="36000"/>
-              </a:xfrm>
-              <a:prstGeom prst="rect">
-                <a:avLst/>
-              </a:prstGeom>
-              <a:solidFill>
-                <a:schemeClr val="bg1"/>
-              </a:solidFill>
-              <a:ln>
-                <a:noFill/>
-              </a:ln>
-            </p:spPr>
-            <p:style>
-              <a:lnRef idx="2">
-                <a:schemeClr val="accent1">
-                  <a:shade val="15000"/>
-                </a:schemeClr>
-              </a:lnRef>
-              <a:fillRef idx="1">
-                <a:schemeClr val="accent1"/>
-              </a:fillRef>
-              <a:effectRef idx="0">
-                <a:schemeClr val="accent1"/>
-              </a:effectRef>
-              <a:fontRef idx="minor">
-                <a:schemeClr val="lt1"/>
-              </a:fontRef>
-            </p:style>
-            <p:txBody>
-              <a:bodyPr rtlCol="0" anchor="ctr"/>
-              <a:lstStyle/>
-              <a:p>
-                <a:pPr algn="ctr"/>
-                <a:endParaRPr lang="en-CN" sz="3164"/>
-              </a:p>
-            </p:txBody>
-          </p:sp>
-          <p:sp>
-            <p:nvSpPr>
-              <p:cNvPr id="17" name="Rectangle 16">
-                <a:extLst>
-                  <a:ext uri="{FF2B5EF4-FFF2-40B4-BE49-F238E27FC236}">
-                    <a16:creationId xmlns:a16="http://schemas.microsoft.com/office/drawing/2014/main" id="{6AFA1AE4-8AA7-C395-EE1A-930635D40EC1}"/>
-                  </a:ext>
-                </a:extLst>
-              </p:cNvPr>
-              <p:cNvSpPr/>
-              <p:nvPr/>
-            </p:nvSpPr>
-            <p:spPr>
-              <a:xfrm>
-                <a:off x="4757956" y="5044147"/>
-                <a:ext cx="2089410" cy="36000"/>
-              </a:xfrm>
-              <a:prstGeom prst="rect">
-                <a:avLst/>
-              </a:prstGeom>
-              <a:solidFill>
-                <a:schemeClr val="bg1"/>
-              </a:solidFill>
-              <a:ln>
-                <a:noFill/>
-              </a:ln>
-            </p:spPr>
-            <p:style>
-              <a:lnRef idx="2">
-                <a:schemeClr val="accent1">
-                  <a:shade val="15000"/>
-                </a:schemeClr>
-              </a:lnRef>
-              <a:fillRef idx="1">
-                <a:schemeClr val="accent1"/>
-              </a:fillRef>
-              <a:effectRef idx="0">
-                <a:schemeClr val="accent1"/>
-              </a:effectRef>
-              <a:fontRef idx="minor">
-                <a:schemeClr val="lt1"/>
-              </a:fontRef>
-            </p:style>
-            <p:txBody>
-              <a:bodyPr rtlCol="0" anchor="ctr"/>
-              <a:lstStyle/>
-              <a:p>
-                <a:pPr algn="ctr"/>
-                <a:endParaRPr lang="en-CN" sz="3164"/>
-              </a:p>
-            </p:txBody>
-          </p:sp>
-          <p:sp>
-            <p:nvSpPr>
-              <p:cNvPr id="24" name="Rectangle 23">
-                <a:extLst>
-                  <a:ext uri="{FF2B5EF4-FFF2-40B4-BE49-F238E27FC236}">
-                    <a16:creationId xmlns:a16="http://schemas.microsoft.com/office/drawing/2014/main" id="{AAD9CBA8-2A9D-6051-2E56-17A9297E90FF}"/>
-                  </a:ext>
-                </a:extLst>
-              </p:cNvPr>
-              <p:cNvSpPr/>
-              <p:nvPr/>
-            </p:nvSpPr>
-            <p:spPr>
-              <a:xfrm>
-                <a:off x="4757956" y="5297897"/>
-                <a:ext cx="2089410" cy="36000"/>
-              </a:xfrm>
-              <a:prstGeom prst="rect">
-                <a:avLst/>
-              </a:prstGeom>
-              <a:solidFill>
-                <a:schemeClr val="bg1"/>
-              </a:solidFill>
-              <a:ln>
-                <a:noFill/>
-              </a:ln>
-            </p:spPr>
-            <p:style>
-              <a:lnRef idx="2">
-                <a:schemeClr val="accent1">
-                  <a:shade val="15000"/>
-                </a:schemeClr>
-              </a:lnRef>
-              <a:fillRef idx="1">
-                <a:schemeClr val="accent1"/>
-              </a:fillRef>
-              <a:effectRef idx="0">
-                <a:schemeClr val="accent1"/>
-              </a:effectRef>
-              <a:fontRef idx="minor">
-                <a:schemeClr val="lt1"/>
-              </a:fontRef>
-            </p:style>
-            <p:txBody>
-              <a:bodyPr rtlCol="0" anchor="ctr"/>
-              <a:lstStyle/>
-              <a:p>
-                <a:pPr algn="ctr"/>
-                <a:endParaRPr lang="en-CN" sz="3164"/>
-              </a:p>
-            </p:txBody>
-          </p:sp>
-          <p:sp>
-            <p:nvSpPr>
-              <p:cNvPr id="26" name="Rectangle 25">
-                <a:extLst>
-                  <a:ext uri="{FF2B5EF4-FFF2-40B4-BE49-F238E27FC236}">
-                    <a16:creationId xmlns:a16="http://schemas.microsoft.com/office/drawing/2014/main" id="{C36C8F90-51EF-FF94-9ECB-E180DFC22106}"/>
-                  </a:ext>
-                </a:extLst>
-              </p:cNvPr>
-              <p:cNvSpPr/>
-              <p:nvPr/>
-            </p:nvSpPr>
-            <p:spPr>
-              <a:xfrm>
-                <a:off x="4757956" y="5551647"/>
-                <a:ext cx="2089410" cy="36000"/>
-              </a:xfrm>
-              <a:prstGeom prst="rect">
-                <a:avLst/>
-              </a:prstGeom>
-              <a:solidFill>
-                <a:schemeClr val="bg1"/>
-              </a:solidFill>
-              <a:ln>
-                <a:noFill/>
-              </a:ln>
-            </p:spPr>
-            <p:style>
-              <a:lnRef idx="2">
-                <a:schemeClr val="accent1">
-                  <a:shade val="15000"/>
-                </a:schemeClr>
-              </a:lnRef>
-              <a:fillRef idx="1">
-                <a:schemeClr val="accent1"/>
-              </a:fillRef>
-              <a:effectRef idx="0">
-                <a:schemeClr val="accent1"/>
-              </a:effectRef>
-              <a:fontRef idx="minor">
-                <a:schemeClr val="lt1"/>
-              </a:fontRef>
-            </p:style>
-            <p:txBody>
-              <a:bodyPr rtlCol="0" anchor="ctr"/>
-              <a:lstStyle/>
-              <a:p>
-                <a:pPr algn="ctr"/>
-                <a:endParaRPr lang="en-CN" sz="3164"/>
-              </a:p>
-            </p:txBody>
-          </p:sp>
-          <p:sp>
-            <p:nvSpPr>
-              <p:cNvPr id="27" name="Rectangle 26">
-                <a:extLst>
-                  <a:ext uri="{FF2B5EF4-FFF2-40B4-BE49-F238E27FC236}">
-                    <a16:creationId xmlns:a16="http://schemas.microsoft.com/office/drawing/2014/main" id="{2CDC9B87-77AF-6744-79D6-A29D972D73D9}"/>
-                  </a:ext>
-                </a:extLst>
-              </p:cNvPr>
-              <p:cNvSpPr/>
-              <p:nvPr/>
-            </p:nvSpPr>
-            <p:spPr>
-              <a:xfrm>
-                <a:off x="4757956" y="5805397"/>
-                <a:ext cx="2089410" cy="36000"/>
-              </a:xfrm>
-              <a:prstGeom prst="rect">
-                <a:avLst/>
-              </a:prstGeom>
-              <a:solidFill>
-                <a:schemeClr val="bg1"/>
-              </a:solidFill>
-              <a:ln>
-                <a:noFill/>
-              </a:ln>
-            </p:spPr>
-            <p:style>
-              <a:lnRef idx="2">
-                <a:schemeClr val="accent1">
-                  <a:shade val="15000"/>
-                </a:schemeClr>
-              </a:lnRef>
-              <a:fillRef idx="1">
-                <a:schemeClr val="accent1"/>
-              </a:fillRef>
-              <a:effectRef idx="0">
-                <a:schemeClr val="accent1"/>
-              </a:effectRef>
-              <a:fontRef idx="minor">
-                <a:schemeClr val="lt1"/>
-              </a:fontRef>
-            </p:style>
-            <p:txBody>
-              <a:bodyPr rtlCol="0" anchor="ctr"/>
-              <a:lstStyle/>
-              <a:p>
-                <a:pPr algn="ctr"/>
-                <a:endParaRPr lang="en-CN" sz="3164"/>
-              </a:p>
-            </p:txBody>
-          </p:sp>
-          <p:sp>
-            <p:nvSpPr>
-              <p:cNvPr id="29" name="Rectangle 28">
-                <a:extLst>
-                  <a:ext uri="{FF2B5EF4-FFF2-40B4-BE49-F238E27FC236}">
-                    <a16:creationId xmlns:a16="http://schemas.microsoft.com/office/drawing/2014/main" id="{4D8CC513-9CD5-E09E-FFF3-3908E26ECC4F}"/>
-                  </a:ext>
-                </a:extLst>
-              </p:cNvPr>
-              <p:cNvSpPr/>
-              <p:nvPr/>
-            </p:nvSpPr>
-            <p:spPr>
-              <a:xfrm>
-                <a:off x="4757956" y="6059147"/>
-                <a:ext cx="2089410" cy="36000"/>
-              </a:xfrm>
-              <a:prstGeom prst="rect">
-                <a:avLst/>
-              </a:prstGeom>
-              <a:solidFill>
-                <a:schemeClr val="bg1"/>
-              </a:solidFill>
-              <a:ln>
-                <a:noFill/>
-              </a:ln>
-            </p:spPr>
-            <p:style>
-              <a:lnRef idx="2">
-                <a:schemeClr val="accent1">
-                  <a:shade val="15000"/>
-                </a:schemeClr>
-              </a:lnRef>
-              <a:fillRef idx="1">
-                <a:schemeClr val="accent1"/>
-              </a:fillRef>
-              <a:effectRef idx="0">
-                <a:schemeClr val="accent1"/>
-              </a:effectRef>
-              <a:fontRef idx="minor">
-                <a:schemeClr val="lt1"/>
-              </a:fontRef>
-            </p:style>
-            <p:txBody>
-              <a:bodyPr rtlCol="0" anchor="ctr"/>
-              <a:lstStyle/>
-              <a:p>
-                <a:pPr algn="ctr"/>
-                <a:endParaRPr lang="en-CN" sz="3164"/>
-              </a:p>
-            </p:txBody>
-          </p:sp>
-          <p:sp>
-            <p:nvSpPr>
-              <p:cNvPr id="35" name="Rectangle 34">
-                <a:extLst>
-                  <a:ext uri="{FF2B5EF4-FFF2-40B4-BE49-F238E27FC236}">
-                    <a16:creationId xmlns:a16="http://schemas.microsoft.com/office/drawing/2014/main" id="{A39E15FF-4F01-6BA3-531C-6303BDBB684D}"/>
-                  </a:ext>
-                </a:extLst>
-              </p:cNvPr>
-              <p:cNvSpPr/>
-              <p:nvPr/>
-            </p:nvSpPr>
-            <p:spPr>
-              <a:xfrm>
-                <a:off x="4757956" y="6186020"/>
-                <a:ext cx="2089410" cy="36000"/>
-              </a:xfrm>
-              <a:prstGeom prst="rect">
-                <a:avLst/>
-              </a:prstGeom>
-              <a:solidFill>
-                <a:schemeClr val="bg1"/>
-              </a:solidFill>
-              <a:ln>
-                <a:noFill/>
-              </a:ln>
-            </p:spPr>
-            <p:style>
-              <a:lnRef idx="2">
-                <a:schemeClr val="accent1">
-                  <a:shade val="15000"/>
-                </a:schemeClr>
-              </a:lnRef>
-              <a:fillRef idx="1">
-                <a:schemeClr val="accent1"/>
-              </a:fillRef>
-              <a:effectRef idx="0">
-                <a:schemeClr val="accent1"/>
-              </a:effectRef>
-              <a:fontRef idx="minor">
-                <a:schemeClr val="lt1"/>
-              </a:fontRef>
-            </p:style>
-            <p:txBody>
-              <a:bodyPr rtlCol="0" anchor="ctr"/>
-              <a:lstStyle/>
-              <a:p>
-                <a:pPr algn="ctr"/>
-                <a:endParaRPr lang="en-CN" sz="3164"/>
-              </a:p>
-            </p:txBody>
-          </p:sp>
-        </p:grpSp>
-        <p:sp>
-          <p:nvSpPr>
-            <p:cNvPr id="7" name="Rectangle 6">
-              <a:extLst>
-                <a:ext uri="{FF2B5EF4-FFF2-40B4-BE49-F238E27FC236}">
-                  <a16:creationId xmlns:a16="http://schemas.microsoft.com/office/drawing/2014/main" id="{15EC01DB-882E-D794-CC54-2A90147D0454}"/>
-                </a:ext>
-              </a:extLst>
-            </p:cNvPr>
-            <p:cNvSpPr/>
-            <p:nvPr/>
-          </p:nvSpPr>
-          <p:spPr>
-            <a:xfrm>
-              <a:off x="2940908" y="4522573"/>
-              <a:ext cx="1606378" cy="1161535"/>
+              <a:ext cx="2089410" cy="36000"/>
             </a:xfrm>
             <a:prstGeom prst="rect">
               <a:avLst/>
@@ -5934,67 +5235,723 @@
         </p:sp>
         <p:sp>
           <p:nvSpPr>
-            <p:cNvPr id="8" name="TextBox 7">
+            <p:cNvPr id="10" name="Rectangle 9">
               <a:extLst>
                 <a:ext uri="{FF2B5EF4-FFF2-40B4-BE49-F238E27FC236}">
-                  <a16:creationId xmlns:a16="http://schemas.microsoft.com/office/drawing/2014/main" id="{1663AFF3-090B-44A8-0FCC-E28E0200DA76}"/>
+                  <a16:creationId xmlns:a16="http://schemas.microsoft.com/office/drawing/2014/main" id="{BFFE86B8-8D64-9AA0-C357-F4303E0F3C14}"/>
                 </a:ext>
               </a:extLst>
             </p:cNvPr>
-            <p:cNvSpPr txBox="1">
-              <a:spLocks noChangeAspect="1"/>
-            </p:cNvSpPr>
+            <p:cNvSpPr/>
             <p:nvPr/>
           </p:nvSpPr>
           <p:spPr>
             <a:xfrm>
-              <a:off x="2730240" y="4100777"/>
-              <a:ext cx="2707905" cy="2591817"/>
+              <a:off x="4757956" y="4917272"/>
+              <a:ext cx="2089410" cy="36000"/>
             </a:xfrm>
             <a:prstGeom prst="rect">
               <a:avLst/>
             </a:prstGeom>
-            <a:noFill/>
-            <a:ln w="57150">
+            <a:solidFill>
+              <a:schemeClr val="bg1"/>
+            </a:solidFill>
+            <a:ln>
               <a:noFill/>
             </a:ln>
-            <a:effectLst>
-              <a:outerShdw blurRad="50800" dist="38100" dir="2700000" algn="tl" rotWithShape="0">
-                <a:prstClr val="black">
-                  <a:alpha val="40000"/>
-                </a:prstClr>
-              </a:outerShdw>
-            </a:effectLst>
           </p:spPr>
+          <p:style>
+            <a:lnRef idx="2">
+              <a:schemeClr val="accent1">
+                <a:shade val="15000"/>
+              </a:schemeClr>
+            </a:lnRef>
+            <a:fillRef idx="1">
+              <a:schemeClr val="accent1"/>
+            </a:fillRef>
+            <a:effectRef idx="0">
+              <a:schemeClr val="accent1"/>
+            </a:effectRef>
+            <a:fontRef idx="minor">
+              <a:schemeClr val="lt1"/>
+            </a:fontRef>
+          </p:style>
           <p:txBody>
-            <a:bodyPr wrap="none" rtlCol="0">
-              <a:normAutofit/>
-            </a:bodyPr>
+            <a:bodyPr rtlCol="0" anchor="ctr"/>
             <a:lstStyle/>
             <a:p>
-              <a:r>
-                <a:rPr lang="en-CN" sz="29172" b="1" i="1" kern="800" spc="-1404" dirty="0">
-                  <a:ln w="15875">
-                    <a:solidFill>
-                      <a:srgbClr val="0070C0"/>
-                    </a:solidFill>
-                  </a:ln>
-                  <a:solidFill>
-                    <a:srgbClr val="0070C0"/>
-                  </a:solidFill>
-                  <a:effectLst>
-                    <a:outerShdw blurRad="50800" dist="38100" dir="2700000" sx="109000" sy="109000" algn="ctr" rotWithShape="0">
-                      <a:srgbClr val="000000">
-                        <a:alpha val="43137"/>
-                      </a:srgbClr>
-                    </a:outerShdw>
-                  </a:effectLst>
-                  <a:latin typeface="Arial" panose="020B0604020202020204" pitchFamily="34" charset="0"/>
-                  <a:cs typeface="Arial" panose="020B0604020202020204" pitchFamily="34" charset="0"/>
-                </a:rPr>
-                <a:t>NL</a:t>
-              </a:r>
-              <a:endParaRPr lang="en-CN" sz="20209" b="1" i="1" kern="800" spc="-1404" dirty="0">
+              <a:pPr algn="ctr"/>
+              <a:endParaRPr lang="en-CN" sz="3164"/>
+            </a:p>
+          </p:txBody>
+        </p:sp>
+        <p:sp>
+          <p:nvSpPr>
+            <p:cNvPr id="11" name="Rectangle 10">
+              <a:extLst>
+                <a:ext uri="{FF2B5EF4-FFF2-40B4-BE49-F238E27FC236}">
+                  <a16:creationId xmlns:a16="http://schemas.microsoft.com/office/drawing/2014/main" id="{3307F8A8-D22A-D4C4-F598-BE9DA859A27E}"/>
+                </a:ext>
+              </a:extLst>
+            </p:cNvPr>
+            <p:cNvSpPr/>
+            <p:nvPr/>
+          </p:nvSpPr>
+          <p:spPr>
+            <a:xfrm>
+              <a:off x="4757956" y="5171022"/>
+              <a:ext cx="2089410" cy="36000"/>
+            </a:xfrm>
+            <a:prstGeom prst="rect">
+              <a:avLst/>
+            </a:prstGeom>
+            <a:solidFill>
+              <a:schemeClr val="bg1"/>
+            </a:solidFill>
+            <a:ln>
+              <a:noFill/>
+            </a:ln>
+          </p:spPr>
+          <p:style>
+            <a:lnRef idx="2">
+              <a:schemeClr val="accent1">
+                <a:shade val="15000"/>
+              </a:schemeClr>
+            </a:lnRef>
+            <a:fillRef idx="1">
+              <a:schemeClr val="accent1"/>
+            </a:fillRef>
+            <a:effectRef idx="0">
+              <a:schemeClr val="accent1"/>
+            </a:effectRef>
+            <a:fontRef idx="minor">
+              <a:schemeClr val="lt1"/>
+            </a:fontRef>
+          </p:style>
+          <p:txBody>
+            <a:bodyPr rtlCol="0" anchor="ctr"/>
+            <a:lstStyle/>
+            <a:p>
+              <a:pPr algn="ctr"/>
+              <a:endParaRPr lang="en-CN" sz="3164"/>
+            </a:p>
+          </p:txBody>
+        </p:sp>
+        <p:sp>
+          <p:nvSpPr>
+            <p:cNvPr id="12" name="Rectangle 11">
+              <a:extLst>
+                <a:ext uri="{FF2B5EF4-FFF2-40B4-BE49-F238E27FC236}">
+                  <a16:creationId xmlns:a16="http://schemas.microsoft.com/office/drawing/2014/main" id="{9125D6E6-69EF-6A43-6194-BBE873AF4B4B}"/>
+                </a:ext>
+              </a:extLst>
+            </p:cNvPr>
+            <p:cNvSpPr/>
+            <p:nvPr/>
+          </p:nvSpPr>
+          <p:spPr>
+            <a:xfrm>
+              <a:off x="4757956" y="5424772"/>
+              <a:ext cx="2089410" cy="36000"/>
+            </a:xfrm>
+            <a:prstGeom prst="rect">
+              <a:avLst/>
+            </a:prstGeom>
+            <a:solidFill>
+              <a:schemeClr val="bg1"/>
+            </a:solidFill>
+            <a:ln>
+              <a:noFill/>
+            </a:ln>
+          </p:spPr>
+          <p:style>
+            <a:lnRef idx="2">
+              <a:schemeClr val="accent1">
+                <a:shade val="15000"/>
+              </a:schemeClr>
+            </a:lnRef>
+            <a:fillRef idx="1">
+              <a:schemeClr val="accent1"/>
+            </a:fillRef>
+            <a:effectRef idx="0">
+              <a:schemeClr val="accent1"/>
+            </a:effectRef>
+            <a:fontRef idx="minor">
+              <a:schemeClr val="lt1"/>
+            </a:fontRef>
+          </p:style>
+          <p:txBody>
+            <a:bodyPr rtlCol="0" anchor="ctr"/>
+            <a:lstStyle/>
+            <a:p>
+              <a:pPr algn="ctr"/>
+              <a:endParaRPr lang="en-CN" sz="3164"/>
+            </a:p>
+          </p:txBody>
+        </p:sp>
+        <p:sp>
+          <p:nvSpPr>
+            <p:cNvPr id="13" name="Rectangle 12">
+              <a:extLst>
+                <a:ext uri="{FF2B5EF4-FFF2-40B4-BE49-F238E27FC236}">
+                  <a16:creationId xmlns:a16="http://schemas.microsoft.com/office/drawing/2014/main" id="{8BC20FB2-7259-03F0-786F-E19DDA76C7BD}"/>
+                </a:ext>
+              </a:extLst>
+            </p:cNvPr>
+            <p:cNvSpPr/>
+            <p:nvPr/>
+          </p:nvSpPr>
+          <p:spPr>
+            <a:xfrm>
+              <a:off x="4757956" y="5678522"/>
+              <a:ext cx="2089410" cy="36000"/>
+            </a:xfrm>
+            <a:prstGeom prst="rect">
+              <a:avLst/>
+            </a:prstGeom>
+            <a:solidFill>
+              <a:schemeClr val="bg1"/>
+            </a:solidFill>
+            <a:ln>
+              <a:noFill/>
+            </a:ln>
+          </p:spPr>
+          <p:style>
+            <a:lnRef idx="2">
+              <a:schemeClr val="accent1">
+                <a:shade val="15000"/>
+              </a:schemeClr>
+            </a:lnRef>
+            <a:fillRef idx="1">
+              <a:schemeClr val="accent1"/>
+            </a:fillRef>
+            <a:effectRef idx="0">
+              <a:schemeClr val="accent1"/>
+            </a:effectRef>
+            <a:fontRef idx="minor">
+              <a:schemeClr val="lt1"/>
+            </a:fontRef>
+          </p:style>
+          <p:txBody>
+            <a:bodyPr rtlCol="0" anchor="ctr"/>
+            <a:lstStyle/>
+            <a:p>
+              <a:pPr algn="ctr"/>
+              <a:endParaRPr lang="en-CN" sz="3164"/>
+            </a:p>
+          </p:txBody>
+        </p:sp>
+        <p:sp>
+          <p:nvSpPr>
+            <p:cNvPr id="14" name="Rectangle 13">
+              <a:extLst>
+                <a:ext uri="{FF2B5EF4-FFF2-40B4-BE49-F238E27FC236}">
+                  <a16:creationId xmlns:a16="http://schemas.microsoft.com/office/drawing/2014/main" id="{FCE8B684-3D86-BB75-968D-2C8972B45147}"/>
+                </a:ext>
+              </a:extLst>
+            </p:cNvPr>
+            <p:cNvSpPr/>
+            <p:nvPr/>
+          </p:nvSpPr>
+          <p:spPr>
+            <a:xfrm>
+              <a:off x="4757956" y="5932272"/>
+              <a:ext cx="2089410" cy="36000"/>
+            </a:xfrm>
+            <a:prstGeom prst="rect">
+              <a:avLst/>
+            </a:prstGeom>
+            <a:solidFill>
+              <a:schemeClr val="bg1"/>
+            </a:solidFill>
+            <a:ln>
+              <a:noFill/>
+            </a:ln>
+          </p:spPr>
+          <p:style>
+            <a:lnRef idx="2">
+              <a:schemeClr val="accent1">
+                <a:shade val="15000"/>
+              </a:schemeClr>
+            </a:lnRef>
+            <a:fillRef idx="1">
+              <a:schemeClr val="accent1"/>
+            </a:fillRef>
+            <a:effectRef idx="0">
+              <a:schemeClr val="accent1"/>
+            </a:effectRef>
+            <a:fontRef idx="minor">
+              <a:schemeClr val="lt1"/>
+            </a:fontRef>
+          </p:style>
+          <p:txBody>
+            <a:bodyPr rtlCol="0" anchor="ctr"/>
+            <a:lstStyle/>
+            <a:p>
+              <a:pPr algn="ctr"/>
+              <a:endParaRPr lang="en-CN" sz="3164"/>
+            </a:p>
+          </p:txBody>
+        </p:sp>
+        <p:sp>
+          <p:nvSpPr>
+            <p:cNvPr id="15" name="Rectangle 14">
+              <a:extLst>
+                <a:ext uri="{FF2B5EF4-FFF2-40B4-BE49-F238E27FC236}">
+                  <a16:creationId xmlns:a16="http://schemas.microsoft.com/office/drawing/2014/main" id="{F55B015F-E6AB-B8D9-612F-472FDDF2B4DA}"/>
+                </a:ext>
+              </a:extLst>
+            </p:cNvPr>
+            <p:cNvSpPr/>
+            <p:nvPr/>
+          </p:nvSpPr>
+          <p:spPr>
+            <a:xfrm>
+              <a:off x="4757956" y="4790397"/>
+              <a:ext cx="2089410" cy="36000"/>
+            </a:xfrm>
+            <a:prstGeom prst="rect">
+              <a:avLst/>
+            </a:prstGeom>
+            <a:solidFill>
+              <a:schemeClr val="bg1"/>
+            </a:solidFill>
+            <a:ln>
+              <a:noFill/>
+            </a:ln>
+          </p:spPr>
+          <p:style>
+            <a:lnRef idx="2">
+              <a:schemeClr val="accent1">
+                <a:shade val="15000"/>
+              </a:schemeClr>
+            </a:lnRef>
+            <a:fillRef idx="1">
+              <a:schemeClr val="accent1"/>
+            </a:fillRef>
+            <a:effectRef idx="0">
+              <a:schemeClr val="accent1"/>
+            </a:effectRef>
+            <a:fontRef idx="minor">
+              <a:schemeClr val="lt1"/>
+            </a:fontRef>
+          </p:style>
+          <p:txBody>
+            <a:bodyPr rtlCol="0" anchor="ctr"/>
+            <a:lstStyle/>
+            <a:p>
+              <a:pPr algn="ctr"/>
+              <a:endParaRPr lang="en-CN" sz="3164"/>
+            </a:p>
+          </p:txBody>
+        </p:sp>
+        <p:sp>
+          <p:nvSpPr>
+            <p:cNvPr id="17" name="Rectangle 16">
+              <a:extLst>
+                <a:ext uri="{FF2B5EF4-FFF2-40B4-BE49-F238E27FC236}">
+                  <a16:creationId xmlns:a16="http://schemas.microsoft.com/office/drawing/2014/main" id="{6AFA1AE4-8AA7-C395-EE1A-930635D40EC1}"/>
+                </a:ext>
+              </a:extLst>
+            </p:cNvPr>
+            <p:cNvSpPr/>
+            <p:nvPr/>
+          </p:nvSpPr>
+          <p:spPr>
+            <a:xfrm>
+              <a:off x="4757956" y="5044147"/>
+              <a:ext cx="2089410" cy="36000"/>
+            </a:xfrm>
+            <a:prstGeom prst="rect">
+              <a:avLst/>
+            </a:prstGeom>
+            <a:solidFill>
+              <a:schemeClr val="bg1"/>
+            </a:solidFill>
+            <a:ln>
+              <a:noFill/>
+            </a:ln>
+          </p:spPr>
+          <p:style>
+            <a:lnRef idx="2">
+              <a:schemeClr val="accent1">
+                <a:shade val="15000"/>
+              </a:schemeClr>
+            </a:lnRef>
+            <a:fillRef idx="1">
+              <a:schemeClr val="accent1"/>
+            </a:fillRef>
+            <a:effectRef idx="0">
+              <a:schemeClr val="accent1"/>
+            </a:effectRef>
+            <a:fontRef idx="minor">
+              <a:schemeClr val="lt1"/>
+            </a:fontRef>
+          </p:style>
+          <p:txBody>
+            <a:bodyPr rtlCol="0" anchor="ctr"/>
+            <a:lstStyle/>
+            <a:p>
+              <a:pPr algn="ctr"/>
+              <a:endParaRPr lang="en-CN" sz="3164"/>
+            </a:p>
+          </p:txBody>
+        </p:sp>
+        <p:sp>
+          <p:nvSpPr>
+            <p:cNvPr id="24" name="Rectangle 23">
+              <a:extLst>
+                <a:ext uri="{FF2B5EF4-FFF2-40B4-BE49-F238E27FC236}">
+                  <a16:creationId xmlns:a16="http://schemas.microsoft.com/office/drawing/2014/main" id="{AAD9CBA8-2A9D-6051-2E56-17A9297E90FF}"/>
+                </a:ext>
+              </a:extLst>
+            </p:cNvPr>
+            <p:cNvSpPr/>
+            <p:nvPr/>
+          </p:nvSpPr>
+          <p:spPr>
+            <a:xfrm>
+              <a:off x="4757956" y="5297897"/>
+              <a:ext cx="2089410" cy="36000"/>
+            </a:xfrm>
+            <a:prstGeom prst="rect">
+              <a:avLst/>
+            </a:prstGeom>
+            <a:solidFill>
+              <a:schemeClr val="bg1"/>
+            </a:solidFill>
+            <a:ln>
+              <a:noFill/>
+            </a:ln>
+          </p:spPr>
+          <p:style>
+            <a:lnRef idx="2">
+              <a:schemeClr val="accent1">
+                <a:shade val="15000"/>
+              </a:schemeClr>
+            </a:lnRef>
+            <a:fillRef idx="1">
+              <a:schemeClr val="accent1"/>
+            </a:fillRef>
+            <a:effectRef idx="0">
+              <a:schemeClr val="accent1"/>
+            </a:effectRef>
+            <a:fontRef idx="minor">
+              <a:schemeClr val="lt1"/>
+            </a:fontRef>
+          </p:style>
+          <p:txBody>
+            <a:bodyPr rtlCol="0" anchor="ctr"/>
+            <a:lstStyle/>
+            <a:p>
+              <a:pPr algn="ctr"/>
+              <a:endParaRPr lang="en-CN" sz="3164"/>
+            </a:p>
+          </p:txBody>
+        </p:sp>
+        <p:sp>
+          <p:nvSpPr>
+            <p:cNvPr id="26" name="Rectangle 25">
+              <a:extLst>
+                <a:ext uri="{FF2B5EF4-FFF2-40B4-BE49-F238E27FC236}">
+                  <a16:creationId xmlns:a16="http://schemas.microsoft.com/office/drawing/2014/main" id="{C36C8F90-51EF-FF94-9ECB-E180DFC22106}"/>
+                </a:ext>
+              </a:extLst>
+            </p:cNvPr>
+            <p:cNvSpPr/>
+            <p:nvPr/>
+          </p:nvSpPr>
+          <p:spPr>
+            <a:xfrm>
+              <a:off x="4757956" y="5551647"/>
+              <a:ext cx="2089410" cy="36000"/>
+            </a:xfrm>
+            <a:prstGeom prst="rect">
+              <a:avLst/>
+            </a:prstGeom>
+            <a:solidFill>
+              <a:schemeClr val="bg1"/>
+            </a:solidFill>
+            <a:ln>
+              <a:noFill/>
+            </a:ln>
+          </p:spPr>
+          <p:style>
+            <a:lnRef idx="2">
+              <a:schemeClr val="accent1">
+                <a:shade val="15000"/>
+              </a:schemeClr>
+            </a:lnRef>
+            <a:fillRef idx="1">
+              <a:schemeClr val="accent1"/>
+            </a:fillRef>
+            <a:effectRef idx="0">
+              <a:schemeClr val="accent1"/>
+            </a:effectRef>
+            <a:fontRef idx="minor">
+              <a:schemeClr val="lt1"/>
+            </a:fontRef>
+          </p:style>
+          <p:txBody>
+            <a:bodyPr rtlCol="0" anchor="ctr"/>
+            <a:lstStyle/>
+            <a:p>
+              <a:pPr algn="ctr"/>
+              <a:endParaRPr lang="en-CN" sz="3164"/>
+            </a:p>
+          </p:txBody>
+        </p:sp>
+        <p:sp>
+          <p:nvSpPr>
+            <p:cNvPr id="27" name="Rectangle 26">
+              <a:extLst>
+                <a:ext uri="{FF2B5EF4-FFF2-40B4-BE49-F238E27FC236}">
+                  <a16:creationId xmlns:a16="http://schemas.microsoft.com/office/drawing/2014/main" id="{2CDC9B87-77AF-6744-79D6-A29D972D73D9}"/>
+                </a:ext>
+              </a:extLst>
+            </p:cNvPr>
+            <p:cNvSpPr/>
+            <p:nvPr/>
+          </p:nvSpPr>
+          <p:spPr>
+            <a:xfrm>
+              <a:off x="4757956" y="5805397"/>
+              <a:ext cx="2089410" cy="36000"/>
+            </a:xfrm>
+            <a:prstGeom prst="rect">
+              <a:avLst/>
+            </a:prstGeom>
+            <a:solidFill>
+              <a:schemeClr val="bg1"/>
+            </a:solidFill>
+            <a:ln>
+              <a:noFill/>
+            </a:ln>
+          </p:spPr>
+          <p:style>
+            <a:lnRef idx="2">
+              <a:schemeClr val="accent1">
+                <a:shade val="15000"/>
+              </a:schemeClr>
+            </a:lnRef>
+            <a:fillRef idx="1">
+              <a:schemeClr val="accent1"/>
+            </a:fillRef>
+            <a:effectRef idx="0">
+              <a:schemeClr val="accent1"/>
+            </a:effectRef>
+            <a:fontRef idx="minor">
+              <a:schemeClr val="lt1"/>
+            </a:fontRef>
+          </p:style>
+          <p:txBody>
+            <a:bodyPr rtlCol="0" anchor="ctr"/>
+            <a:lstStyle/>
+            <a:p>
+              <a:pPr algn="ctr"/>
+              <a:endParaRPr lang="en-CN" sz="3164"/>
+            </a:p>
+          </p:txBody>
+        </p:sp>
+        <p:sp>
+          <p:nvSpPr>
+            <p:cNvPr id="29" name="Rectangle 28">
+              <a:extLst>
+                <a:ext uri="{FF2B5EF4-FFF2-40B4-BE49-F238E27FC236}">
+                  <a16:creationId xmlns:a16="http://schemas.microsoft.com/office/drawing/2014/main" id="{4D8CC513-9CD5-E09E-FFF3-3908E26ECC4F}"/>
+                </a:ext>
+              </a:extLst>
+            </p:cNvPr>
+            <p:cNvSpPr/>
+            <p:nvPr/>
+          </p:nvSpPr>
+          <p:spPr>
+            <a:xfrm>
+              <a:off x="4757956" y="6059147"/>
+              <a:ext cx="2089410" cy="36000"/>
+            </a:xfrm>
+            <a:prstGeom prst="rect">
+              <a:avLst/>
+            </a:prstGeom>
+            <a:solidFill>
+              <a:schemeClr val="bg1"/>
+            </a:solidFill>
+            <a:ln>
+              <a:noFill/>
+            </a:ln>
+          </p:spPr>
+          <p:style>
+            <a:lnRef idx="2">
+              <a:schemeClr val="accent1">
+                <a:shade val="15000"/>
+              </a:schemeClr>
+            </a:lnRef>
+            <a:fillRef idx="1">
+              <a:schemeClr val="accent1"/>
+            </a:fillRef>
+            <a:effectRef idx="0">
+              <a:schemeClr val="accent1"/>
+            </a:effectRef>
+            <a:fontRef idx="minor">
+              <a:schemeClr val="lt1"/>
+            </a:fontRef>
+          </p:style>
+          <p:txBody>
+            <a:bodyPr rtlCol="0" anchor="ctr"/>
+            <a:lstStyle/>
+            <a:p>
+              <a:pPr algn="ctr"/>
+              <a:endParaRPr lang="en-CN" sz="3164"/>
+            </a:p>
+          </p:txBody>
+        </p:sp>
+        <p:sp>
+          <p:nvSpPr>
+            <p:cNvPr id="35" name="Rectangle 34">
+              <a:extLst>
+                <a:ext uri="{FF2B5EF4-FFF2-40B4-BE49-F238E27FC236}">
+                  <a16:creationId xmlns:a16="http://schemas.microsoft.com/office/drawing/2014/main" id="{A39E15FF-4F01-6BA3-531C-6303BDBB684D}"/>
+                </a:ext>
+              </a:extLst>
+            </p:cNvPr>
+            <p:cNvSpPr/>
+            <p:nvPr/>
+          </p:nvSpPr>
+          <p:spPr>
+            <a:xfrm>
+              <a:off x="4757956" y="6186020"/>
+              <a:ext cx="2089410" cy="36000"/>
+            </a:xfrm>
+            <a:prstGeom prst="rect">
+              <a:avLst/>
+            </a:prstGeom>
+            <a:solidFill>
+              <a:schemeClr val="bg1"/>
+            </a:solidFill>
+            <a:ln>
+              <a:noFill/>
+            </a:ln>
+          </p:spPr>
+          <p:style>
+            <a:lnRef idx="2">
+              <a:schemeClr val="accent1">
+                <a:shade val="15000"/>
+              </a:schemeClr>
+            </a:lnRef>
+            <a:fillRef idx="1">
+              <a:schemeClr val="accent1"/>
+            </a:fillRef>
+            <a:effectRef idx="0">
+              <a:schemeClr val="accent1"/>
+            </a:effectRef>
+            <a:fontRef idx="minor">
+              <a:schemeClr val="lt1"/>
+            </a:fontRef>
+          </p:style>
+          <p:txBody>
+            <a:bodyPr rtlCol="0" anchor="ctr"/>
+            <a:lstStyle/>
+            <a:p>
+              <a:pPr algn="ctr"/>
+              <a:endParaRPr lang="en-CN" sz="3164"/>
+            </a:p>
+          </p:txBody>
+        </p:sp>
+      </p:grpSp>
+      <p:sp>
+        <p:nvSpPr>
+          <p:cNvPr id="7" name="Rectangle 6">
+            <a:extLst>
+              <a:ext uri="{FF2B5EF4-FFF2-40B4-BE49-F238E27FC236}">
+                <a16:creationId xmlns:a16="http://schemas.microsoft.com/office/drawing/2014/main" id="{15EC01DB-882E-D794-CC54-2A90147D0454}"/>
+              </a:ext>
+            </a:extLst>
+          </p:cNvPr>
+          <p:cNvSpPr/>
+          <p:nvPr/>
+        </p:nvSpPr>
+        <p:spPr>
+          <a:xfrm>
+            <a:off x="8820125" y="2832420"/>
+            <a:ext cx="2819329" cy="2038589"/>
+          </a:xfrm>
+          <a:prstGeom prst="rect">
+            <a:avLst/>
+          </a:prstGeom>
+          <a:solidFill>
+            <a:schemeClr val="bg1"/>
+          </a:solidFill>
+          <a:ln>
+            <a:noFill/>
+          </a:ln>
+        </p:spPr>
+        <p:style>
+          <a:lnRef idx="2">
+            <a:schemeClr val="accent1">
+              <a:shade val="15000"/>
+            </a:schemeClr>
+          </a:lnRef>
+          <a:fillRef idx="1">
+            <a:schemeClr val="accent1"/>
+          </a:fillRef>
+          <a:effectRef idx="0">
+            <a:schemeClr val="accent1"/>
+          </a:effectRef>
+          <a:fontRef idx="minor">
+            <a:schemeClr val="lt1"/>
+          </a:fontRef>
+        </p:style>
+        <p:txBody>
+          <a:bodyPr rtlCol="0" anchor="ctr"/>
+          <a:lstStyle/>
+          <a:p>
+            <a:pPr algn="ctr"/>
+            <a:endParaRPr lang="en-CN" sz="3164"/>
+          </a:p>
+        </p:txBody>
+      </p:sp>
+      <p:sp>
+        <p:nvSpPr>
+          <p:cNvPr id="8" name="TextBox 7">
+            <a:extLst>
+              <a:ext uri="{FF2B5EF4-FFF2-40B4-BE49-F238E27FC236}">
+                <a16:creationId xmlns:a16="http://schemas.microsoft.com/office/drawing/2014/main" id="{1663AFF3-090B-44A8-0FCC-E28E0200DA76}"/>
+              </a:ext>
+            </a:extLst>
+          </p:cNvPr>
+          <p:cNvSpPr txBox="1">
+            <a:spLocks noChangeAspect="1"/>
+          </p:cNvSpPr>
+          <p:nvPr/>
+        </p:nvSpPr>
+        <p:spPr>
+          <a:xfrm>
+            <a:off x="8450384" y="2190989"/>
+            <a:ext cx="4752602" cy="4548851"/>
+          </a:xfrm>
+          <a:prstGeom prst="rect">
+            <a:avLst/>
+          </a:prstGeom>
+          <a:noFill/>
+          <a:ln w="57150">
+            <a:noFill/>
+          </a:ln>
+          <a:effectLst>
+            <a:outerShdw blurRad="50800" dist="38100" dir="2700000" algn="tl" rotWithShape="0">
+              <a:prstClr val="black">
+                <a:alpha val="40000"/>
+              </a:prstClr>
+            </a:outerShdw>
+          </a:effectLst>
+        </p:spPr>
+        <p:txBody>
+          <a:bodyPr wrap="none" rtlCol="0">
+            <a:normAutofit/>
+          </a:bodyPr>
+          <a:lstStyle/>
+          <a:p>
+            <a:r>
+              <a:rPr lang="en-CN" sz="29172" b="1" i="1" kern="800" spc="-1404" dirty="0">
                 <a:ln w="15875">
                   <a:solidFill>
                     <a:srgbClr val="0070C0"/>
@@ -6012,11 +5969,31 @@
                 </a:effectLst>
                 <a:latin typeface="Arial" panose="020B0604020202020204" pitchFamily="34" charset="0"/>
                 <a:cs typeface="Arial" panose="020B0604020202020204" pitchFamily="34" charset="0"/>
-              </a:endParaRPr>
-            </a:p>
-          </p:txBody>
-        </p:sp>
-      </p:grpSp>
+              </a:rPr>
+              <a:t>NL</a:t>
+            </a:r>
+            <a:endParaRPr lang="en-CN" sz="20209" b="1" i="1" kern="800" spc="-1404" dirty="0">
+              <a:ln w="15875">
+                <a:solidFill>
+                  <a:srgbClr val="0070C0"/>
+                </a:solidFill>
+              </a:ln>
+              <a:solidFill>
+                <a:srgbClr val="0070C0"/>
+              </a:solidFill>
+              <a:effectLst>
+                <a:outerShdw blurRad="50800" dist="38100" dir="2700000" sx="109000" sy="109000" algn="ctr" rotWithShape="0">
+                  <a:srgbClr val="000000">
+                    <a:alpha val="43137"/>
+                  </a:srgbClr>
+                </a:outerShdw>
+              </a:effectLst>
+              <a:latin typeface="Arial" panose="020B0604020202020204" pitchFamily="34" charset="0"/>
+              <a:cs typeface="Arial" panose="020B0604020202020204" pitchFamily="34" charset="0"/>
+            </a:endParaRPr>
+          </a:p>
+        </p:txBody>
+      </p:sp>
       <p:sp>
         <p:nvSpPr>
           <p:cNvPr id="19" name="TextBox 18">
@@ -6031,8 +6008,8 @@
         </p:nvSpPr>
         <p:spPr>
           <a:xfrm>
-            <a:off x="15157044" y="2978625"/>
-            <a:ext cx="18969298" cy="3000821"/>
+            <a:off x="15115819" y="2965003"/>
+            <a:ext cx="18621775" cy="3000821"/>
           </a:xfrm>
           <a:prstGeom prst="rect">
             <a:avLst/>
@@ -6040,11 +6017,12 @@
           <a:noFill/>
         </p:spPr>
         <p:txBody>
-          <a:bodyPr wrap="square">
+          <a:bodyPr wrap="square" spcCol="54000">
             <a:spAutoFit/>
           </a:bodyPr>
           <a:lstStyle/>
           <a:p>
+            <a:pPr algn="dist"/>
             <a:r>
               <a:rPr lang="en-CN" sz="14500" b="1" dirty="0">
                 <a:solidFill>
@@ -6059,7 +6037,7 @@
           <a:p>
             <a:pPr algn="dist"/>
             <a:r>
-              <a:rPr lang="en-US" sz="4400" b="1" dirty="0">
+              <a:rPr lang="en-US" sz="4400" dirty="0">
                 <a:ln w="34925">
                   <a:solidFill>
                     <a:schemeClr val="accent1"/>
